--- a/NIS2.pptx
+++ b/NIS2.pptx
@@ -1547,8 +1547,8 @@
         </p:nvSpPr>
         <p:spPr>
           <a:xfrm>
-            <a:off x="139959" y="1567544"/>
-            <a:ext cx="9843061" cy="3645910"/>
+            <a:off x="249016" y="1644547"/>
+            <a:ext cx="9532547" cy="3414766"/>
           </a:xfrm>
         </p:spPr>
         <p:txBody>
@@ -2077,41 +2077,25 @@
           <a:lstStyle/>
           <a:p>
             <a:r>
-              <a:rPr lang="cs-CZ" sz="2000" dirty="0">
-                <a:effectLst/>
-                <a:latin typeface="Arial" panose="020B0604020202020204" pitchFamily="34" charset="0"/>
-                <a:ea typeface="Arial" panose="020B0604020202020204" pitchFamily="34" charset="0"/>
-              </a:rPr>
-              <a:t>Pacienti hospitalizovaní ve zdravotnickém zařízení dnes očekávají možnost přístupu k Internetu (práce, kontakt s rodinou ).. Běžně používají zařízení různého typu (telefon, NTB…). </a:t>
-            </a:r>
-          </a:p>
-          <a:p>
-            <a:r>
-              <a:rPr lang="cs-CZ" sz="2000" dirty="0">
-                <a:effectLst/>
-                <a:latin typeface="Arial" panose="020B0604020202020204" pitchFamily="34" charset="0"/>
-                <a:ea typeface="Arial" panose="020B0604020202020204" pitchFamily="34" charset="0"/>
-              </a:rPr>
-              <a:t>Při nedodržení jasné bezpečnostní politiky hrozí nebezpečí, že se pacient dostane do vnitřního IS dané nemocnice. </a:t>
-            </a:r>
-          </a:p>
-          <a:p>
-            <a:r>
-              <a:rPr lang="cs-CZ" sz="2000" dirty="0">
-                <a:effectLst/>
-                <a:latin typeface="Arial" panose="020B0604020202020204" pitchFamily="34" charset="0"/>
-                <a:ea typeface="Arial" panose="020B0604020202020204" pitchFamily="34" charset="0"/>
-              </a:rPr>
-              <a:t>Student zanalyzuje teoreticky stav v menší nemocnici a navrhne jasná pravidla pro zabezpečení. Např. oddělení  jednotlivých IS, nemožnost odposlechnout data, fyzická bezpečnost (pacient není sám ponechán v ordinaci s otevřeným počítačem personálu atd.). Student tato nebezpečí shrne a navrhne základní ochranu proti nim.</a:t>
-            </a:r>
-            <a:endParaRPr lang="en-US" sz="2000" dirty="0">
-              <a:effectLst/>
-              <a:latin typeface="Arial" panose="020B0604020202020204" pitchFamily="34" charset="0"/>
-              <a:ea typeface="Arial" panose="020B0604020202020204" pitchFamily="34" charset="0"/>
-            </a:endParaRPr>
-          </a:p>
-          <a:p>
-            <a:endParaRPr lang="en-US" sz="2800" dirty="0"/>
+              <a:rPr lang="en-US" sz="2800" dirty="0"/>
+              <a:t>NIS1 – </a:t>
+            </a:r>
+            <a:r>
+              <a:rPr lang="en-US" sz="2800" dirty="0" err="1"/>
+              <a:t>direktiva</a:t>
+            </a:r>
+            <a:r>
+              <a:rPr lang="en-US" sz="2800" dirty="0"/>
+              <a:t> od EU v </a:t>
+            </a:r>
+            <a:r>
+              <a:rPr lang="en-US" sz="2800" dirty="0" err="1"/>
+              <a:t>roce</a:t>
+            </a:r>
+            <a:r>
+              <a:rPr lang="en-US" sz="2800" dirty="0"/>
+              <a:t> 2016</a:t>
+            </a:r>
           </a:p>
         </p:txBody>
       </p:sp>

--- a/NIS2.pptx
+++ b/NIS2.pptx
@@ -13,7 +13,7 @@
     <p:sldId id="262" r:id="rId7"/>
     <p:sldId id="263" r:id="rId8"/>
     <p:sldId id="266" r:id="rId9"/>
-    <p:sldId id="265" r:id="rId10"/>
+    <p:sldId id="268" r:id="rId10"/>
   </p:sldIdLst>
   <p:sldSz cx="9144000" cy="6858000" type="screen4x3"/>
   <p:notesSz cx="6858000" cy="9144000"/>
@@ -1710,27 +1710,27 @@
               <a:buChar char="-"/>
             </a:pPr>
             <a:r>
-              <a:rPr lang="en-US" sz="2000" dirty="0" err="1"/>
+              <a:rPr lang="en-US" dirty="0" err="1"/>
               <a:t>Zjistit</a:t>
             </a:r>
             <a:r>
-              <a:rPr lang="en-US" sz="2000" dirty="0"/>
-              <a:t> </a:t>
-            </a:r>
-            <a:r>
-              <a:rPr lang="en-US" sz="2000" dirty="0" err="1"/>
+              <a:rPr lang="en-US" dirty="0"/>
+              <a:t> </a:t>
+            </a:r>
+            <a:r>
+              <a:rPr lang="en-US" dirty="0" err="1"/>
               <a:t>současný</a:t>
             </a:r>
             <a:r>
-              <a:rPr lang="en-US" sz="2000" dirty="0"/>
-              <a:t> </a:t>
-            </a:r>
-            <a:r>
-              <a:rPr lang="en-US" sz="2000" dirty="0" err="1"/>
+              <a:rPr lang="en-US" dirty="0"/>
+              <a:t> </a:t>
+            </a:r>
+            <a:r>
+              <a:rPr lang="en-US" dirty="0" err="1"/>
               <a:t>stav</a:t>
             </a:r>
             <a:r>
-              <a:rPr lang="en-US" sz="2000" dirty="0"/>
+              <a:rPr lang="en-US" dirty="0"/>
               <a:t> NIS1 a ZoKB.</a:t>
             </a:r>
           </a:p>
@@ -1740,53 +1740,42 @@
               <a:buChar char="-"/>
             </a:pPr>
             <a:r>
-              <a:rPr lang="en-US" sz="2000" dirty="0" err="1"/>
+              <a:rPr lang="en-US" dirty="0" err="1"/>
               <a:t>Nastudovat</a:t>
             </a:r>
             <a:r>
-              <a:rPr lang="en-US" sz="2000" dirty="0"/>
+              <a:rPr lang="en-US" dirty="0"/>
               <a:t> NIS2, </a:t>
             </a:r>
             <a:r>
-              <a:rPr lang="en-US" sz="2000" dirty="0" err="1"/>
+              <a:rPr lang="en-US" dirty="0" err="1"/>
               <a:t>pochopit</a:t>
             </a:r>
             <a:r>
-              <a:rPr lang="en-US" sz="2000" dirty="0"/>
-              <a:t> </a:t>
-            </a:r>
-            <a:r>
-              <a:rPr lang="en-US" sz="2000" dirty="0" err="1"/>
+              <a:rPr lang="en-US" dirty="0"/>
+              <a:t> </a:t>
+            </a:r>
+            <a:r>
+              <a:rPr lang="en-US" dirty="0" err="1"/>
               <a:t>důvody</a:t>
             </a:r>
             <a:r>
-              <a:rPr lang="en-US" sz="2000" dirty="0"/>
-              <a:t> </a:t>
-            </a:r>
-            <a:r>
-              <a:rPr lang="en-US" sz="2000" dirty="0" err="1"/>
+              <a:rPr lang="en-US" dirty="0"/>
+              <a:t> </a:t>
+            </a:r>
+            <a:r>
+              <a:rPr lang="en-US" dirty="0" err="1"/>
               <a:t>zavedení</a:t>
             </a:r>
             <a:r>
-              <a:rPr lang="en-US" sz="2000" dirty="0"/>
-              <a:t>, a </a:t>
-            </a:r>
-            <a:r>
-              <a:rPr lang="en-US" sz="2000" dirty="0" err="1"/>
-              <a:t>její</a:t>
-            </a:r>
-            <a:r>
-              <a:rPr lang="en-US" sz="2000" dirty="0"/>
-              <a:t> </a:t>
-            </a:r>
-            <a:r>
-              <a:rPr lang="en-US" sz="2000" dirty="0" err="1"/>
-              <a:t>znění</a:t>
-            </a:r>
-            <a:r>
-              <a:rPr lang="en-US" sz="2000" dirty="0"/>
-              <a:t>.</a:t>
-            </a:r>
+              <a:rPr lang="en-US" dirty="0"/>
+              <a:t>, a</a:t>
+            </a:r>
+            <a:r>
+              <a:rPr lang="cs-CZ" dirty="0"/>
+              <a:t> její význam.</a:t>
+            </a:r>
+            <a:endParaRPr lang="en-US" dirty="0"/>
           </a:p>
           <a:p>
             <a:pPr marL="457200" indent="-457200">
@@ -1794,75 +1783,75 @@
               <a:buChar char="-"/>
             </a:pPr>
             <a:r>
-              <a:rPr lang="en-US" sz="2000" dirty="0" err="1"/>
+              <a:rPr lang="en-US" dirty="0" err="1"/>
               <a:t>Projít</a:t>
             </a:r>
             <a:r>
-              <a:rPr lang="en-US" sz="2000" dirty="0"/>
-              <a:t> </a:t>
-            </a:r>
-            <a:r>
-              <a:rPr lang="en-US" sz="2000" dirty="0" err="1"/>
+              <a:rPr lang="en-US" dirty="0"/>
+              <a:t> </a:t>
+            </a:r>
+            <a:r>
+              <a:rPr lang="en-US" dirty="0" err="1"/>
               <a:t>si</a:t>
             </a:r>
             <a:r>
-              <a:rPr lang="en-US" sz="2000" dirty="0"/>
-              <a:t> </a:t>
-            </a:r>
-            <a:r>
-              <a:rPr lang="en-US" sz="2000" dirty="0" err="1"/>
+              <a:rPr lang="en-US" dirty="0"/>
+              <a:t> </a:t>
+            </a:r>
+            <a:r>
+              <a:rPr lang="en-US" dirty="0" err="1"/>
               <a:t>změny</a:t>
             </a:r>
             <a:r>
-              <a:rPr lang="en-US" sz="2000" dirty="0"/>
-              <a:t> </a:t>
-            </a:r>
-            <a:r>
-              <a:rPr lang="en-US" sz="2000" dirty="0" err="1"/>
+              <a:rPr lang="en-US" dirty="0"/>
+              <a:t> </a:t>
+            </a:r>
+            <a:r>
+              <a:rPr lang="en-US" dirty="0" err="1"/>
               <a:t>navrhované</a:t>
             </a:r>
             <a:r>
-              <a:rPr lang="en-US" sz="2000" dirty="0"/>
-              <a:t> </a:t>
-            </a:r>
-            <a:r>
-              <a:rPr lang="en-US" sz="2000" dirty="0" err="1"/>
+              <a:rPr lang="en-US" dirty="0"/>
+              <a:t> </a:t>
+            </a:r>
+            <a:r>
+              <a:rPr lang="en-US" dirty="0" err="1"/>
               <a:t>NÚKIBem</a:t>
             </a:r>
             <a:r>
-              <a:rPr lang="en-US" sz="2000" dirty="0"/>
+              <a:rPr lang="en-US" dirty="0"/>
               <a:t> a </a:t>
             </a:r>
             <a:r>
-              <a:rPr lang="en-US" sz="2000" dirty="0" err="1"/>
+              <a:rPr lang="en-US" dirty="0" err="1"/>
               <a:t>pochopit</a:t>
             </a:r>
             <a:r>
-              <a:rPr lang="en-US" sz="2000" dirty="0"/>
-              <a:t> </a:t>
-            </a:r>
-            <a:r>
-              <a:rPr lang="en-US" sz="2000" dirty="0" err="1"/>
+              <a:rPr lang="en-US" dirty="0"/>
+              <a:t> </a:t>
+            </a:r>
+            <a:r>
+              <a:rPr lang="en-US" dirty="0" err="1"/>
               <a:t>změny</a:t>
             </a:r>
             <a:r>
-              <a:rPr lang="en-US" sz="2000" dirty="0"/>
-              <a:t> </a:t>
-            </a:r>
-            <a:r>
-              <a:rPr lang="en-US" sz="2000" dirty="0" err="1"/>
+              <a:rPr lang="en-US" dirty="0"/>
+              <a:t> </a:t>
+            </a:r>
+            <a:r>
+              <a:rPr lang="en-US" dirty="0" err="1"/>
               <a:t>týkající</a:t>
             </a:r>
             <a:r>
-              <a:rPr lang="en-US" sz="2000" dirty="0"/>
+              <a:rPr lang="en-US" dirty="0"/>
               <a:t> se </a:t>
             </a:r>
             <a:r>
-              <a:rPr lang="en-US" sz="2000" dirty="0" err="1"/>
+              <a:rPr lang="en-US" dirty="0" err="1"/>
               <a:t>nového</a:t>
             </a:r>
             <a:r>
-              <a:rPr lang="en-US" sz="2000" dirty="0"/>
+              <a:rPr lang="en-US" dirty="0"/>
               <a:t> ZoKB</a:t>
             </a:r>
           </a:p>
@@ -1872,58 +1861,58 @@
               <a:buChar char="-"/>
             </a:pPr>
             <a:r>
-              <a:rPr lang="en-US" sz="2000" dirty="0" err="1"/>
+              <a:rPr lang="en-US" dirty="0" err="1"/>
               <a:t>Zanalyzovat</a:t>
             </a:r>
             <a:r>
-              <a:rPr lang="en-US" sz="2000" dirty="0"/>
-              <a:t> </a:t>
-            </a:r>
-            <a:r>
-              <a:rPr lang="en-US" sz="2000" dirty="0" err="1"/>
+              <a:rPr lang="en-US" dirty="0"/>
+              <a:t> </a:t>
+            </a:r>
+            <a:r>
+              <a:rPr lang="en-US" dirty="0" err="1"/>
               <a:t>změny</a:t>
             </a:r>
             <a:r>
-              <a:rPr lang="en-US" sz="2000" dirty="0"/>
+              <a:rPr lang="en-US" dirty="0"/>
               <a:t> a </a:t>
             </a:r>
             <a:r>
-              <a:rPr lang="en-US" sz="2000" dirty="0" err="1"/>
+              <a:rPr lang="en-US" dirty="0" err="1"/>
               <a:t>nové</a:t>
             </a:r>
             <a:r>
-              <a:rPr lang="en-US" sz="2000" dirty="0"/>
-              <a:t> </a:t>
-            </a:r>
-            <a:r>
-              <a:rPr lang="en-US" sz="2000" dirty="0" err="1"/>
+              <a:rPr lang="en-US" dirty="0"/>
+              <a:t> </a:t>
+            </a:r>
+            <a:r>
+              <a:rPr lang="en-US" dirty="0" err="1"/>
               <a:t>subjekty</a:t>
             </a:r>
             <a:r>
-              <a:rPr lang="en-US" sz="2000" dirty="0"/>
+              <a:rPr lang="en-US" dirty="0"/>
               <a:t> pro </a:t>
             </a:r>
             <a:r>
-              <a:rPr lang="en-US" sz="2000" dirty="0" err="1"/>
+              <a:rPr lang="en-US" dirty="0" err="1"/>
               <a:t>řízení</a:t>
             </a:r>
             <a:r>
-              <a:rPr lang="en-US" sz="2000" dirty="0"/>
-              <a:t> </a:t>
-            </a:r>
-            <a:r>
-              <a:rPr lang="en-US" sz="2000" dirty="0" err="1"/>
+              <a:rPr lang="en-US" dirty="0"/>
+              <a:t> </a:t>
+            </a:r>
+            <a:r>
+              <a:rPr lang="en-US" dirty="0" err="1"/>
               <a:t>Kybernetické</a:t>
             </a:r>
             <a:r>
-              <a:rPr lang="en-US" sz="2000" dirty="0"/>
-              <a:t> </a:t>
-            </a:r>
-            <a:r>
-              <a:rPr lang="en-US" sz="2000" dirty="0" err="1"/>
+              <a:rPr lang="en-US" dirty="0"/>
+              <a:t> </a:t>
+            </a:r>
+            <a:r>
+              <a:rPr lang="en-US" dirty="0" err="1"/>
               <a:t>bezpečnosti</a:t>
             </a:r>
-            <a:endParaRPr lang="en-US" sz="2000" dirty="0"/>
+            <a:endParaRPr lang="en-US" dirty="0"/>
           </a:p>
           <a:p>
             <a:pPr marL="457200" indent="-457200">
@@ -1931,48 +1920,48 @@
               <a:buChar char="-"/>
             </a:pPr>
             <a:r>
-              <a:rPr lang="en-US" sz="2000" dirty="0" err="1"/>
+              <a:rPr lang="en-US" dirty="0" err="1"/>
               <a:t>Zhodnotit</a:t>
             </a:r>
             <a:r>
-              <a:rPr lang="en-US" sz="2000" dirty="0"/>
-              <a:t> </a:t>
-            </a:r>
-            <a:r>
-              <a:rPr lang="en-US" sz="2000" dirty="0" err="1"/>
+              <a:rPr lang="en-US" dirty="0"/>
+              <a:t> </a:t>
+            </a:r>
+            <a:r>
+              <a:rPr lang="en-US" dirty="0" err="1"/>
               <a:t>změny</a:t>
             </a:r>
             <a:r>
-              <a:rPr lang="en-US" sz="2000" dirty="0"/>
+              <a:rPr lang="en-US" dirty="0"/>
               <a:t> pro </a:t>
             </a:r>
             <a:r>
-              <a:rPr lang="en-US" sz="2000" dirty="0" err="1"/>
+              <a:rPr lang="en-US" dirty="0" err="1"/>
               <a:t>zdravotnické</a:t>
             </a:r>
             <a:r>
-              <a:rPr lang="en-US" sz="2000" dirty="0"/>
-              <a:t> </a:t>
-            </a:r>
-            <a:r>
-              <a:rPr lang="en-US" sz="2000" dirty="0" err="1"/>
+              <a:rPr lang="en-US" dirty="0"/>
+              <a:t> </a:t>
+            </a:r>
+            <a:r>
+              <a:rPr lang="en-US" dirty="0" err="1"/>
               <a:t>subjekty</a:t>
             </a:r>
-            <a:endParaRPr lang="en-US" sz="2000" dirty="0"/>
+            <a:endParaRPr lang="en-US" dirty="0"/>
           </a:p>
           <a:p>
             <a:pPr marL="457200" indent="-457200">
               <a:buFontTx/>
               <a:buChar char="-"/>
             </a:pPr>
-            <a:endParaRPr lang="en-US" sz="2000" dirty="0"/>
+            <a:endParaRPr lang="en-US" dirty="0"/>
           </a:p>
           <a:p>
             <a:pPr marL="457200" indent="-457200">
               <a:buFontTx/>
               <a:buChar char="-"/>
             </a:pPr>
-            <a:endParaRPr lang="en-US" sz="2000" dirty="0"/>
+            <a:endParaRPr lang="en-US" dirty="0"/>
           </a:p>
         </p:txBody>
       </p:sp>
@@ -2077,25 +2066,91 @@
           <a:lstStyle/>
           <a:p>
             <a:r>
-              <a:rPr lang="en-US" sz="2800" dirty="0"/>
+              <a:rPr lang="cs-CZ" dirty="0">
+                <a:latin typeface="+mj-lt"/>
+              </a:rPr>
+              <a:t>Tři základní dokumenty pro Kybernetickou Bezpečnost v ČR:</a:t>
+            </a:r>
+          </a:p>
+          <a:p>
+            <a:r>
+              <a:rPr lang="cs-CZ" dirty="0">
+                <a:latin typeface="+mj-lt"/>
+              </a:rPr>
+              <a:t> - </a:t>
+            </a:r>
+            <a:r>
+              <a:rPr lang="en-US" dirty="0">
+                <a:latin typeface="+mj-lt"/>
+              </a:rPr>
               <a:t>NIS1 – </a:t>
             </a:r>
             <a:r>
-              <a:rPr lang="en-US" sz="2800" dirty="0" err="1"/>
-              <a:t>direktiva</a:t>
-            </a:r>
-            <a:r>
-              <a:rPr lang="en-US" sz="2800" dirty="0"/>
-              <a:t> od EU v </a:t>
-            </a:r>
-            <a:r>
-              <a:rPr lang="en-US" sz="2800" dirty="0" err="1"/>
-              <a:t>roce</a:t>
-            </a:r>
-            <a:r>
-              <a:rPr lang="en-US" sz="2800" dirty="0"/>
-              <a:t> 2016</a:t>
-            </a:r>
+              <a:rPr lang="en-US" dirty="0" err="1">
+                <a:latin typeface="+mj-lt"/>
+              </a:rPr>
+              <a:t>sm</a:t>
+            </a:r>
+            <a:r>
+              <a:rPr lang="cs-CZ" dirty="0">
+                <a:latin typeface="+mj-lt"/>
+              </a:rPr>
+              <a:t>ěrnice</a:t>
+            </a:r>
+            <a:r>
+              <a:rPr lang="en-US" dirty="0">
+                <a:latin typeface="+mj-lt"/>
+              </a:rPr>
+              <a:t> od EU</a:t>
+            </a:r>
+            <a:r>
+              <a:rPr lang="cs-CZ" dirty="0">
+                <a:latin typeface="+mj-lt"/>
+              </a:rPr>
+              <a:t> </a:t>
+            </a:r>
+            <a:r>
+              <a:rPr lang="en-US" b="1" i="0" dirty="0">
+                <a:effectLst/>
+                <a:latin typeface="+mj-lt"/>
+              </a:rPr>
+              <a:t>2016/1148</a:t>
+            </a:r>
+            <a:endParaRPr lang="cs-CZ" b="1" i="0" dirty="0">
+              <a:effectLst/>
+              <a:latin typeface="+mj-lt"/>
+            </a:endParaRPr>
+          </a:p>
+          <a:p>
+            <a:r>
+              <a:rPr lang="cs-CZ" dirty="0">
+                <a:latin typeface="+mj-lt"/>
+              </a:rPr>
+              <a:t> - ZoKB – Zákon o Kybernetické Bezpečnosti č.181/2014</a:t>
+            </a:r>
+          </a:p>
+          <a:p>
+            <a:r>
+              <a:rPr lang="cs-CZ" dirty="0">
+                <a:latin typeface="+mj-lt"/>
+              </a:rPr>
+              <a:t> - Vyhláška 82/2018 – Vyhláška o Kybernetické bezpečnosti</a:t>
+            </a:r>
+          </a:p>
+          <a:p>
+            <a:endParaRPr lang="cs-CZ" dirty="0">
+              <a:latin typeface="+mj-lt"/>
+            </a:endParaRPr>
+          </a:p>
+          <a:p>
+            <a:endParaRPr lang="cs-CZ" dirty="0">
+              <a:latin typeface="+mj-lt"/>
+            </a:endParaRPr>
+          </a:p>
+          <a:p>
+            <a:endParaRPr lang="en-US" dirty="0">
+              <a:latin typeface="+mj-lt"/>
+            </a:endParaRPr>
           </a:p>
         </p:txBody>
       </p:sp>
@@ -2185,51 +2240,55 @@
         <p:spPr>
           <a:xfrm>
             <a:off x="139959" y="1567544"/>
-            <a:ext cx="9843061" cy="3645910"/>
+            <a:ext cx="9843061" cy="5641124"/>
           </a:xfrm>
         </p:spPr>
         <p:txBody>
           <a:bodyPr>
-            <a:normAutofit/>
+            <a:noAutofit/>
           </a:bodyPr>
           <a:lstStyle/>
           <a:p>
             <a:r>
               <a:rPr lang="cs-CZ" sz="2000" dirty="0">
-                <a:effectLst/>
-                <a:latin typeface="Arial" panose="020B0604020202020204" pitchFamily="34" charset="0"/>
-                <a:ea typeface="Arial" panose="020B0604020202020204" pitchFamily="34" charset="0"/>
-              </a:rPr>
-              <a:t>Pacienti hospitalizovaní ve zdravotnickém zařízení dnes očekávají možnost přístupu k Internetu (práce, kontakt s rodinou ).. Běžně používají zařízení různého typu (telefon, NTB…). </a:t>
-            </a:r>
+                <a:latin typeface="+mj-lt"/>
+              </a:rPr>
+              <a:t> - Vyvíjející se kybernetické hrozby: Od zavedení původní směrnice NIS v roce 2016 se prostředí bezpečnosti IT výrazně změnilo. Směrnice NIS2 byla navržena s cílem přizpůsobit se těmto rychle se vyvíjejícím kybernetickým hrozbám</a:t>
+            </a:r>
+          </a:p>
+          <a:p>
+            <a:endParaRPr lang="cs-CZ" sz="2000" dirty="0">
+              <a:latin typeface="+mj-lt"/>
+            </a:endParaRPr>
           </a:p>
           <a:p>
             <a:r>
               <a:rPr lang="cs-CZ" sz="2000" dirty="0">
-                <a:effectLst/>
-                <a:latin typeface="Arial" panose="020B0604020202020204" pitchFamily="34" charset="0"/>
-                <a:ea typeface="Arial" panose="020B0604020202020204" pitchFamily="34" charset="0"/>
-              </a:rPr>
-              <a:t>Při nedodržení jasné bezpečnostní politiky hrozí nebezpečí, že se pacient dostane do vnitřního IS dané nemocnice. </a:t>
-            </a:r>
+                <a:latin typeface="+mj-lt"/>
+              </a:rPr>
+              <a:t>- Rozšiřující se oblast působnost: Cílem směrnice NIS2 je rozšířit oblast působnosti původní směrnice NIS. Má v úmyslu zahrnout další služby a zvýšit požadavky na podávání zpráv.</a:t>
+            </a:r>
+          </a:p>
+          <a:p>
+            <a:endParaRPr lang="cs-CZ" sz="2000" dirty="0">
+              <a:latin typeface="+mj-lt"/>
+            </a:endParaRPr>
           </a:p>
           <a:p>
             <a:r>
               <a:rPr lang="cs-CZ" sz="2000" dirty="0">
-                <a:effectLst/>
-                <a:latin typeface="Arial" panose="020B0604020202020204" pitchFamily="34" charset="0"/>
-                <a:ea typeface="Arial" panose="020B0604020202020204" pitchFamily="34" charset="0"/>
-              </a:rPr>
-              <a:t>Student zanalyzuje teoreticky stav v menší nemocnici a navrhne jasná pravidla pro zabezpečení. Např. oddělení  jednotlivých IS, nemožnost odposlechnout data, fyzická bezpečnost (pacient není sám ponechán v ordinaci s otevřeným počítačem personálu atd.). Student tato nebezpečí shrne a navrhne základní ochranu proti nim.</a:t>
-            </a:r>
-            <a:endParaRPr lang="en-US" sz="2000" dirty="0">
-              <a:effectLst/>
-              <a:latin typeface="Arial" panose="020B0604020202020204" pitchFamily="34" charset="0"/>
-              <a:ea typeface="Arial" panose="020B0604020202020204" pitchFamily="34" charset="0"/>
-            </a:endParaRPr>
-          </a:p>
-          <a:p>
-            <a:endParaRPr lang="en-US" sz="2800" dirty="0"/>
+                <a:latin typeface="+mj-lt"/>
+              </a:rPr>
+              <a:t>- Jednotnost v rámci celé EU: Cílem směrnice je posílit a sjednotit kybernetickou bezpečnost států EU. </a:t>
+            </a:r>
+          </a:p>
+          <a:p>
+            <a:r>
+              <a:rPr lang="cs-CZ" sz="2000" dirty="0">
+                <a:latin typeface="+mj-lt"/>
+              </a:rPr>
+              <a:t>- Ochrana základních funkcí: NIS2 vyžaduje dodržování předpisů od všech organizací, které zajišťují "základní funkce". Jedná se o organizace, které mají zásadní význam pro hospodářský a sociální rozvoj EU, a očekává se, že se budou chránit proti kybernetickým útokům, aby se snížilo riziko ohrožení dat</a:t>
+            </a:r>
           </a:p>
         </p:txBody>
       </p:sp>
@@ -2323,52 +2382,438 @@
         </p:nvSpPr>
         <p:spPr>
           <a:xfrm>
-            <a:off x="139959" y="1567544"/>
-            <a:ext cx="9843061" cy="3645910"/>
+            <a:off x="139959" y="1132537"/>
+            <a:ext cx="9843061" cy="5854189"/>
           </a:xfrm>
         </p:spPr>
         <p:txBody>
           <a:bodyPr>
-            <a:normAutofit/>
+            <a:noAutofit/>
           </a:bodyPr>
           <a:lstStyle/>
           <a:p>
-            <a:r>
-              <a:rPr lang="cs-CZ" sz="2000" dirty="0">
-                <a:effectLst/>
-                <a:latin typeface="Arial" panose="020B0604020202020204" pitchFamily="34" charset="0"/>
-                <a:ea typeface="Arial" panose="020B0604020202020204" pitchFamily="34" charset="0"/>
-              </a:rPr>
-              <a:t>Pacienti hospitalizovaní ve zdravotnickém zařízení dnes očekávají možnost přístupu k Internetu (práce, kontakt s rodinou ).. Běžně používají zařízení různého typu (telefon, NTB…). </a:t>
-            </a:r>
-          </a:p>
-          <a:p>
-            <a:r>
-              <a:rPr lang="cs-CZ" sz="2000" dirty="0">
-                <a:effectLst/>
-                <a:latin typeface="Arial" panose="020B0604020202020204" pitchFamily="34" charset="0"/>
-                <a:ea typeface="Arial" panose="020B0604020202020204" pitchFamily="34" charset="0"/>
-              </a:rPr>
-              <a:t>Při nedodržení jasné bezpečnostní politiky hrozí nebezpečí, že se pacient dostane do vnitřního IS dané nemocnice. </a:t>
-            </a:r>
-          </a:p>
-          <a:p>
-            <a:r>
-              <a:rPr lang="cs-CZ" sz="2000" dirty="0">
-                <a:effectLst/>
-                <a:latin typeface="Arial" panose="020B0604020202020204" pitchFamily="34" charset="0"/>
-                <a:ea typeface="Arial" panose="020B0604020202020204" pitchFamily="34" charset="0"/>
-              </a:rPr>
-              <a:t>Student zanalyzuje teoreticky stav v menší nemocnici a navrhne jasná pravidla pro zabezpečení. Např. oddělení  jednotlivých IS, nemožnost odposlechnout data, fyzická bezpečnost (pacient není sám ponechán v ordinaci s otevřeným počítačem personálu atd.). Student tato nebezpečí shrne a navrhne základní ochranu proti nim.</a:t>
-            </a:r>
-            <a:endParaRPr lang="en-US" sz="2000" dirty="0">
-              <a:effectLst/>
-              <a:latin typeface="Arial" panose="020B0604020202020204" pitchFamily="34" charset="0"/>
-              <a:ea typeface="Arial" panose="020B0604020202020204" pitchFamily="34" charset="0"/>
-            </a:endParaRPr>
-          </a:p>
-          <a:p>
-            <a:endParaRPr lang="en-US" sz="2800" dirty="0"/>
+            <a:endParaRPr lang="en-US" sz="2000" dirty="0"/>
+          </a:p>
+          <a:p>
+            <a:r>
+              <a:rPr lang="en-US" sz="2000" dirty="0"/>
+              <a:t> - </a:t>
+            </a:r>
+            <a:r>
+              <a:rPr lang="en-US" sz="2000" dirty="0" err="1"/>
+              <a:t>Rozšířená</a:t>
+            </a:r>
+            <a:r>
+              <a:rPr lang="en-US" sz="2000" dirty="0"/>
+              <a:t> oblast </a:t>
+            </a:r>
+            <a:r>
+              <a:rPr lang="en-US" sz="2000" dirty="0" err="1"/>
+              <a:t>působnosti</a:t>
+            </a:r>
+            <a:r>
+              <a:rPr lang="en-US" sz="2000" dirty="0"/>
+              <a:t>:</a:t>
+            </a:r>
+          </a:p>
+          <a:p>
+            <a:r>
+              <a:rPr lang="en-US" sz="2000" dirty="0"/>
+              <a:t>NIS2 </a:t>
+            </a:r>
+            <a:r>
+              <a:rPr lang="en-US" sz="2000" dirty="0" err="1"/>
+              <a:t>zahrnuje</a:t>
+            </a:r>
+            <a:r>
+              <a:rPr lang="en-US" sz="2000" dirty="0"/>
+              <a:t> </a:t>
+            </a:r>
+            <a:r>
+              <a:rPr lang="en-US" sz="2000" dirty="0" err="1"/>
+              <a:t>více</a:t>
+            </a:r>
+            <a:r>
+              <a:rPr lang="en-US" sz="2000" dirty="0"/>
+              <a:t> </a:t>
+            </a:r>
+            <a:r>
+              <a:rPr lang="en-US" sz="2000" dirty="0" err="1"/>
+              <a:t>odvětví</a:t>
+            </a:r>
+            <a:r>
+              <a:rPr lang="en-US" sz="2000" dirty="0"/>
+              <a:t>, </a:t>
+            </a:r>
+            <a:r>
+              <a:rPr lang="en-US" sz="2000" dirty="0" err="1"/>
+              <a:t>například</a:t>
+            </a:r>
+            <a:r>
+              <a:rPr lang="en-US" sz="2000" dirty="0"/>
+              <a:t> </a:t>
+            </a:r>
+            <a:r>
+              <a:rPr lang="en-US" sz="2000" dirty="0" err="1"/>
+              <a:t>digitální</a:t>
+            </a:r>
+            <a:r>
+              <a:rPr lang="en-US" sz="2000" dirty="0"/>
+              <a:t> </a:t>
+            </a:r>
+            <a:r>
+              <a:rPr lang="en-US" sz="2000" dirty="0" err="1"/>
+              <a:t>infrastrukturu</a:t>
+            </a:r>
+            <a:r>
+              <a:rPr lang="en-US" sz="2000" dirty="0"/>
+              <a:t> a online </a:t>
+            </a:r>
+            <a:r>
+              <a:rPr lang="en-US" sz="2000" dirty="0" err="1"/>
+              <a:t>služby</a:t>
+            </a:r>
+            <a:r>
+              <a:rPr lang="en-US" sz="2000" dirty="0"/>
+              <a:t>.</a:t>
+            </a:r>
+          </a:p>
+          <a:p>
+            <a:endParaRPr lang="en-US" sz="2000" dirty="0"/>
+          </a:p>
+          <a:p>
+            <a:r>
+              <a:rPr lang="en-US" sz="2000" dirty="0"/>
+              <a:t>- </a:t>
+            </a:r>
+            <a:r>
+              <a:rPr lang="en-US" sz="2000" dirty="0" err="1"/>
+              <a:t>Posílená</a:t>
+            </a:r>
+            <a:r>
+              <a:rPr lang="en-US" sz="2000" dirty="0"/>
+              <a:t> </a:t>
+            </a:r>
+            <a:r>
+              <a:rPr lang="en-US" sz="2000" dirty="0" err="1"/>
+              <a:t>bezpečnostní</a:t>
+            </a:r>
+            <a:r>
+              <a:rPr lang="en-US" sz="2000" dirty="0"/>
+              <a:t> </a:t>
+            </a:r>
+            <a:r>
+              <a:rPr lang="en-US" sz="2000" dirty="0" err="1"/>
+              <a:t>opatření</a:t>
+            </a:r>
+            <a:r>
+              <a:rPr lang="en-US" sz="2000" dirty="0"/>
+              <a:t>:</a:t>
+            </a:r>
+          </a:p>
+          <a:p>
+            <a:r>
+              <a:rPr lang="en-US" sz="2000" dirty="0" err="1"/>
+              <a:t>Byly</a:t>
+            </a:r>
+            <a:r>
+              <a:rPr lang="en-US" sz="2000" dirty="0"/>
+              <a:t> </a:t>
+            </a:r>
+            <a:r>
+              <a:rPr lang="en-US" sz="2000" dirty="0" err="1"/>
+              <a:t>zavedeny</a:t>
+            </a:r>
+            <a:r>
+              <a:rPr lang="en-US" sz="2000" dirty="0"/>
+              <a:t> </a:t>
+            </a:r>
+            <a:r>
+              <a:rPr lang="en-US" sz="2000" dirty="0" err="1"/>
+              <a:t>další</a:t>
+            </a:r>
+            <a:r>
+              <a:rPr lang="en-US" sz="2000" dirty="0"/>
+              <a:t> </a:t>
+            </a:r>
+            <a:r>
+              <a:rPr lang="en-US" sz="2000" dirty="0" err="1"/>
+              <a:t>požadavky</a:t>
+            </a:r>
+            <a:r>
+              <a:rPr lang="en-US" sz="2000" dirty="0"/>
+              <a:t> </a:t>
+            </a:r>
+            <a:r>
+              <a:rPr lang="en-US" sz="2000" dirty="0" err="1"/>
+              <a:t>na</a:t>
+            </a:r>
+            <a:r>
+              <a:rPr lang="en-US" sz="2000" dirty="0"/>
+              <a:t> </a:t>
+            </a:r>
+            <a:r>
+              <a:rPr lang="en-US" sz="2000" dirty="0" err="1"/>
+              <a:t>řízení</a:t>
+            </a:r>
+            <a:r>
+              <a:rPr lang="en-US" sz="2000" dirty="0"/>
+              <a:t> a </a:t>
+            </a:r>
+            <a:r>
+              <a:rPr lang="en-US" sz="2000" dirty="0" err="1"/>
+              <a:t>opatření</a:t>
+            </a:r>
+            <a:r>
+              <a:rPr lang="en-US" sz="2000" dirty="0"/>
+              <a:t> k </a:t>
+            </a:r>
+            <a:r>
+              <a:rPr lang="en-US" sz="2000" dirty="0" err="1"/>
+              <a:t>řízení</a:t>
+            </a:r>
+            <a:r>
+              <a:rPr lang="en-US" sz="2000" dirty="0"/>
+              <a:t> </a:t>
+            </a:r>
+            <a:r>
+              <a:rPr lang="en-US" sz="2000" dirty="0" err="1"/>
+              <a:t>rizik</a:t>
+            </a:r>
+            <a:r>
+              <a:rPr lang="en-US" sz="2000" dirty="0"/>
+              <a:t>.</a:t>
+            </a:r>
+          </a:p>
+          <a:p>
+            <a:endParaRPr lang="en-US" sz="2000" dirty="0"/>
+          </a:p>
+          <a:p>
+            <a:r>
+              <a:rPr lang="en-US" sz="2000" dirty="0"/>
+              <a:t>- </a:t>
+            </a:r>
+            <a:r>
+              <a:rPr lang="en-US" sz="2000" dirty="0" err="1"/>
+              <a:t>Rozšířené</a:t>
+            </a:r>
+            <a:r>
+              <a:rPr lang="en-US" sz="2000" dirty="0"/>
+              <a:t> </a:t>
+            </a:r>
+            <a:r>
+              <a:rPr lang="en-US" sz="2000" dirty="0" err="1"/>
+              <a:t>povinnosti</a:t>
+            </a:r>
+            <a:r>
+              <a:rPr lang="en-US" sz="2000" dirty="0"/>
+              <a:t> </a:t>
+            </a:r>
+            <a:r>
+              <a:rPr lang="en-US" sz="2000" dirty="0" err="1"/>
+              <a:t>podávání</a:t>
+            </a:r>
+            <a:r>
+              <a:rPr lang="en-US" sz="2000" dirty="0"/>
+              <a:t> </a:t>
+            </a:r>
+            <a:r>
+              <a:rPr lang="en-US" sz="2000" dirty="0" err="1"/>
+              <a:t>zpráv</a:t>
+            </a:r>
+            <a:r>
+              <a:rPr lang="en-US" sz="2000" dirty="0"/>
+              <a:t>:</a:t>
+            </a:r>
+          </a:p>
+          <a:p>
+            <a:r>
+              <a:rPr lang="en-US" sz="2000" dirty="0" err="1"/>
+              <a:t>Rychlejší</a:t>
+            </a:r>
+            <a:r>
+              <a:rPr lang="en-US" sz="2000" dirty="0"/>
+              <a:t> </a:t>
+            </a:r>
+            <a:r>
+              <a:rPr lang="en-US" sz="2000" dirty="0" err="1"/>
+              <a:t>hlášení</a:t>
+            </a:r>
+            <a:r>
+              <a:rPr lang="en-US" sz="2000" dirty="0"/>
+              <a:t> </a:t>
+            </a:r>
+            <a:r>
+              <a:rPr lang="en-US" sz="2000" dirty="0" err="1"/>
+              <a:t>incidentů</a:t>
+            </a:r>
+            <a:r>
+              <a:rPr lang="en-US" sz="2000" dirty="0"/>
+              <a:t> (24 </a:t>
+            </a:r>
+            <a:r>
+              <a:rPr lang="en-US" sz="2000" dirty="0" err="1"/>
+              <a:t>hodin</a:t>
+            </a:r>
+            <a:r>
+              <a:rPr lang="en-US" sz="2000" dirty="0"/>
+              <a:t>), </a:t>
+            </a:r>
+            <a:r>
+              <a:rPr lang="en-US" sz="2000" dirty="0" err="1"/>
+              <a:t>včetně</a:t>
+            </a:r>
+            <a:r>
+              <a:rPr lang="en-US" sz="2000" dirty="0"/>
+              <a:t> </a:t>
+            </a:r>
+            <a:r>
+              <a:rPr lang="en-US" sz="2000" dirty="0" err="1"/>
+              <a:t>hlášení</a:t>
+            </a:r>
+            <a:r>
+              <a:rPr lang="en-US" sz="2000" dirty="0"/>
+              <a:t> </a:t>
+            </a:r>
+            <a:r>
+              <a:rPr lang="en-US" sz="2000" dirty="0" err="1"/>
+              <a:t>příjemcům</a:t>
+            </a:r>
+            <a:r>
+              <a:rPr lang="en-US" sz="2000" dirty="0"/>
+              <a:t> </a:t>
+            </a:r>
+            <a:r>
+              <a:rPr lang="en-US" sz="2000" dirty="0" err="1"/>
+              <a:t>služeb</a:t>
+            </a:r>
+            <a:r>
+              <a:rPr lang="en-US" sz="2000" dirty="0"/>
+              <a:t> a </a:t>
+            </a:r>
+            <a:r>
+              <a:rPr lang="en-US" sz="2000" dirty="0" err="1"/>
+              <a:t>veřejnosti</a:t>
+            </a:r>
+            <a:r>
+              <a:rPr lang="en-US" sz="2000" dirty="0"/>
+              <a:t> v </a:t>
+            </a:r>
+            <a:r>
+              <a:rPr lang="en-US" sz="2000" dirty="0" err="1"/>
+              <a:t>závažných</a:t>
+            </a:r>
+            <a:r>
+              <a:rPr lang="en-US" sz="2000" dirty="0"/>
+              <a:t> </a:t>
+            </a:r>
+            <a:r>
+              <a:rPr lang="en-US" sz="2000" dirty="0" err="1"/>
+              <a:t>případech</a:t>
+            </a:r>
+            <a:r>
+              <a:rPr lang="en-US" sz="2000" dirty="0"/>
+              <a:t>.</a:t>
+            </a:r>
+          </a:p>
+          <a:p>
+            <a:endParaRPr lang="en-US" sz="2000" dirty="0"/>
+          </a:p>
+          <a:p>
+            <a:r>
+              <a:rPr lang="en-US" sz="2000" dirty="0"/>
+              <a:t>- </a:t>
+            </a:r>
+            <a:r>
+              <a:rPr lang="en-US" sz="2000" dirty="0" err="1"/>
+              <a:t>Zvýšení</a:t>
+            </a:r>
+            <a:r>
+              <a:rPr lang="en-US" sz="2000" dirty="0"/>
+              <a:t> </a:t>
+            </a:r>
+            <a:r>
+              <a:rPr lang="en-US" sz="2000" dirty="0" err="1"/>
+              <a:t>pokut</a:t>
+            </a:r>
+            <a:r>
+              <a:rPr lang="en-US" sz="2000" dirty="0"/>
+              <a:t> a </a:t>
+            </a:r>
+            <a:r>
+              <a:rPr lang="en-US" sz="2000" dirty="0" err="1"/>
+              <a:t>sankcí</a:t>
+            </a:r>
+            <a:r>
+              <a:rPr lang="en-US" sz="2000" dirty="0"/>
+              <a:t>:</a:t>
+            </a:r>
+          </a:p>
+          <a:p>
+            <a:r>
+              <a:rPr lang="en-US" sz="2000" dirty="0" err="1"/>
+              <a:t>Vyšší</a:t>
+            </a:r>
+            <a:r>
+              <a:rPr lang="en-US" sz="2000" dirty="0"/>
+              <a:t> </a:t>
+            </a:r>
+            <a:r>
+              <a:rPr lang="en-US" sz="2000" dirty="0" err="1"/>
+              <a:t>potenciální</a:t>
+            </a:r>
+            <a:r>
+              <a:rPr lang="en-US" sz="2000" dirty="0"/>
+              <a:t> </a:t>
+            </a:r>
+            <a:r>
+              <a:rPr lang="en-US" sz="2000" dirty="0" err="1"/>
+              <a:t>pokuty</a:t>
+            </a:r>
+            <a:r>
+              <a:rPr lang="en-US" sz="2000" dirty="0"/>
+              <a:t> a </a:t>
+            </a:r>
+            <a:r>
+              <a:rPr lang="en-US" sz="2000" dirty="0" err="1"/>
+              <a:t>rozšířené</a:t>
+            </a:r>
+            <a:r>
+              <a:rPr lang="en-US" sz="2000" dirty="0"/>
+              <a:t> </a:t>
+            </a:r>
+            <a:r>
+              <a:rPr lang="en-US" sz="2000" dirty="0" err="1"/>
+              <a:t>možnosti</a:t>
+            </a:r>
+            <a:r>
+              <a:rPr lang="en-US" sz="2000" dirty="0"/>
+              <a:t> </a:t>
+            </a:r>
+            <a:r>
+              <a:rPr lang="en-US" sz="2000" dirty="0" err="1"/>
+              <a:t>vymáhání</a:t>
+            </a:r>
+            <a:r>
+              <a:rPr lang="en-US" sz="2000" dirty="0"/>
+              <a:t> pro </a:t>
+            </a:r>
+            <a:r>
+              <a:rPr lang="en-US" sz="2000" dirty="0" err="1"/>
+              <a:t>příslušné</a:t>
+            </a:r>
+            <a:r>
+              <a:rPr lang="en-US" sz="2000" dirty="0"/>
+              <a:t> </a:t>
+            </a:r>
+            <a:r>
+              <a:rPr lang="en-US" sz="2000" dirty="0" err="1"/>
+              <a:t>orgány</a:t>
+            </a:r>
+            <a:r>
+              <a:rPr lang="en-US" sz="2000" dirty="0"/>
+              <a:t>.</a:t>
+            </a:r>
           </a:p>
         </p:txBody>
       </p:sp>
@@ -2463,46 +2908,1051 @@
         </p:spPr>
         <p:txBody>
           <a:bodyPr>
-            <a:normAutofit/>
+            <a:noAutofit/>
           </a:bodyPr>
           <a:lstStyle/>
           <a:p>
-            <a:r>
-              <a:rPr lang="cs-CZ" sz="2000" dirty="0">
-                <a:effectLst/>
-                <a:latin typeface="Arial" panose="020B0604020202020204" pitchFamily="34" charset="0"/>
-                <a:ea typeface="Arial" panose="020B0604020202020204" pitchFamily="34" charset="0"/>
-              </a:rPr>
-              <a:t>Pacienti hospitalizovaní ve zdravotnickém zařízení dnes očekávají možnost přístupu k Internetu (práce, kontakt s rodinou ).. Běžně používají zařízení různého typu (telefon, NTB…). </a:t>
-            </a:r>
-          </a:p>
-          <a:p>
-            <a:r>
-              <a:rPr lang="cs-CZ" sz="2000" dirty="0">
-                <a:effectLst/>
-                <a:latin typeface="Arial" panose="020B0604020202020204" pitchFamily="34" charset="0"/>
-                <a:ea typeface="Arial" panose="020B0604020202020204" pitchFamily="34" charset="0"/>
-              </a:rPr>
-              <a:t>Při nedodržení jasné bezpečnostní politiky hrozí nebezpečí, že se pacient dostane do vnitřního IS dané nemocnice. </a:t>
-            </a:r>
-          </a:p>
-          <a:p>
-            <a:r>
-              <a:rPr lang="cs-CZ" sz="2000" dirty="0">
-                <a:effectLst/>
-                <a:latin typeface="Arial" panose="020B0604020202020204" pitchFamily="34" charset="0"/>
-                <a:ea typeface="Arial" panose="020B0604020202020204" pitchFamily="34" charset="0"/>
-              </a:rPr>
-              <a:t>Student zanalyzuje teoreticky stav v menší nemocnici a navrhne jasná pravidla pro zabezpečení. Např. oddělení  jednotlivých IS, nemožnost odposlechnout data, fyzická bezpečnost (pacient není sám ponechán v ordinaci s otevřeným počítačem personálu atd.). Student tato nebezpečí shrne a navrhne základní ochranu proti nim.</a:t>
-            </a:r>
-            <a:endParaRPr lang="en-US" sz="2000" dirty="0">
-              <a:effectLst/>
-              <a:latin typeface="Arial" panose="020B0604020202020204" pitchFamily="34" charset="0"/>
-              <a:ea typeface="Arial" panose="020B0604020202020204" pitchFamily="34" charset="0"/>
-            </a:endParaRPr>
-          </a:p>
-          <a:p>
-            <a:endParaRPr lang="en-US" sz="2800" dirty="0"/>
+            <a:pPr algn="l">
+              <a:buFont typeface="+mj-lt"/>
+              <a:buAutoNum type="arabicPeriod"/>
+            </a:pPr>
+            <a:r>
+              <a:rPr lang="cs-CZ" sz="2000" b="1" i="0" dirty="0">
+                <a:effectLst/>
+                <a:latin typeface="+mj-lt"/>
+              </a:rPr>
+              <a:t> </a:t>
+            </a:r>
+            <a:r>
+              <a:rPr lang="en-US" sz="2000" b="1" i="0" dirty="0" err="1">
+                <a:effectLst/>
+                <a:latin typeface="+mj-lt"/>
+              </a:rPr>
+              <a:t>Rozšířená</a:t>
+            </a:r>
+            <a:r>
+              <a:rPr lang="en-US" sz="2000" b="1" i="0" dirty="0">
+                <a:effectLst/>
+                <a:latin typeface="+mj-lt"/>
+              </a:rPr>
+              <a:t> </a:t>
+            </a:r>
+            <a:r>
+              <a:rPr lang="en-US" sz="2000" b="1" i="0" dirty="0" err="1">
+                <a:effectLst/>
+                <a:latin typeface="+mj-lt"/>
+              </a:rPr>
+              <a:t>působnost</a:t>
+            </a:r>
+            <a:r>
+              <a:rPr lang="en-US" sz="2000" b="0" i="0" dirty="0">
+                <a:effectLst/>
+                <a:latin typeface="+mj-lt"/>
+              </a:rPr>
+              <a:t>: </a:t>
+            </a:r>
+            <a:r>
+              <a:rPr lang="en-US" sz="2000" b="0" i="0" dirty="0" err="1">
+                <a:effectLst/>
+                <a:latin typeface="+mj-lt"/>
+              </a:rPr>
+              <a:t>Zvýšené</a:t>
+            </a:r>
+            <a:r>
+              <a:rPr lang="en-US" sz="2000" b="0" i="0" dirty="0">
+                <a:effectLst/>
+                <a:latin typeface="+mj-lt"/>
+              </a:rPr>
+              <a:t> </a:t>
+            </a:r>
+            <a:r>
+              <a:rPr lang="en-US" sz="2000" b="0" i="0" dirty="0" err="1">
+                <a:effectLst/>
+                <a:latin typeface="+mj-lt"/>
+              </a:rPr>
+              <a:t>povinnosti</a:t>
+            </a:r>
+            <a:r>
+              <a:rPr lang="en-US" sz="2000" b="0" i="0" dirty="0">
+                <a:effectLst/>
+                <a:latin typeface="+mj-lt"/>
+              </a:rPr>
+              <a:t> pro </a:t>
+            </a:r>
+            <a:r>
+              <a:rPr lang="en-US" sz="2000" b="0" i="0" dirty="0" err="1">
+                <a:effectLst/>
+                <a:latin typeface="+mj-lt"/>
+              </a:rPr>
+              <a:t>správce</a:t>
+            </a:r>
+            <a:r>
+              <a:rPr lang="en-US" sz="2000" b="0" i="0" dirty="0">
+                <a:effectLst/>
+                <a:latin typeface="+mj-lt"/>
+              </a:rPr>
+              <a:t> </a:t>
+            </a:r>
+            <a:r>
+              <a:rPr lang="en-US" sz="2000" b="0" i="0" dirty="0" err="1">
+                <a:effectLst/>
+                <a:latin typeface="+mj-lt"/>
+              </a:rPr>
+              <a:t>klíčových</a:t>
+            </a:r>
+            <a:r>
+              <a:rPr lang="en-US" sz="2000" b="0" i="0" dirty="0">
+                <a:effectLst/>
+                <a:latin typeface="+mj-lt"/>
+              </a:rPr>
+              <a:t> </a:t>
+            </a:r>
+            <a:r>
+              <a:rPr lang="en-US" sz="2000" b="0" i="0" dirty="0" err="1">
+                <a:effectLst/>
+                <a:latin typeface="+mj-lt"/>
+              </a:rPr>
+              <a:t>informačních</a:t>
+            </a:r>
+            <a:r>
+              <a:rPr lang="en-US" sz="2000" b="0" i="0" dirty="0">
+                <a:effectLst/>
+                <a:latin typeface="+mj-lt"/>
+              </a:rPr>
+              <a:t> </a:t>
+            </a:r>
+            <a:r>
+              <a:rPr lang="en-US" sz="2000" b="0" i="0" dirty="0" err="1">
+                <a:effectLst/>
+                <a:latin typeface="+mj-lt"/>
+              </a:rPr>
+              <a:t>systémů</a:t>
+            </a:r>
+            <a:r>
+              <a:rPr lang="en-US" sz="2000" b="0" i="0" dirty="0">
+                <a:effectLst/>
+                <a:latin typeface="+mj-lt"/>
+              </a:rPr>
+              <a:t>.</a:t>
+            </a:r>
+          </a:p>
+          <a:p>
+            <a:pPr algn="l">
+              <a:buFont typeface="+mj-lt"/>
+              <a:buAutoNum type="arabicPeriod"/>
+            </a:pPr>
+            <a:r>
+              <a:rPr lang="cs-CZ" sz="2000" b="1" i="0" dirty="0">
+                <a:effectLst/>
+                <a:latin typeface="+mj-lt"/>
+              </a:rPr>
+              <a:t> </a:t>
+            </a:r>
+            <a:r>
+              <a:rPr lang="en-US" sz="2000" b="1" i="0" dirty="0" err="1">
+                <a:effectLst/>
+                <a:latin typeface="+mj-lt"/>
+              </a:rPr>
+              <a:t>Základní</a:t>
+            </a:r>
+            <a:r>
+              <a:rPr lang="en-US" sz="2000" b="1" i="0" dirty="0">
+                <a:effectLst/>
+                <a:latin typeface="+mj-lt"/>
+              </a:rPr>
+              <a:t> </a:t>
+            </a:r>
+            <a:r>
+              <a:rPr lang="en-US" sz="2000" b="1" i="0" dirty="0" err="1">
+                <a:effectLst/>
+                <a:latin typeface="+mj-lt"/>
+              </a:rPr>
+              <a:t>služby</a:t>
+            </a:r>
+            <a:r>
+              <a:rPr lang="en-US" sz="2000" b="0" i="0" dirty="0">
+                <a:effectLst/>
+                <a:latin typeface="+mj-lt"/>
+              </a:rPr>
+              <a:t>: </a:t>
+            </a:r>
+            <a:r>
+              <a:rPr lang="en-US" sz="2000" b="0" i="0" dirty="0" err="1">
+                <a:effectLst/>
+                <a:latin typeface="+mj-lt"/>
+              </a:rPr>
+              <a:t>Zařazeny</a:t>
+            </a:r>
+            <a:r>
+              <a:rPr lang="en-US" sz="2000" b="0" i="0" dirty="0">
+                <a:effectLst/>
+                <a:latin typeface="+mj-lt"/>
+              </a:rPr>
+              <a:t> </a:t>
+            </a:r>
+            <a:r>
+              <a:rPr lang="en-US" sz="2000" b="0" i="0" dirty="0" err="1">
+                <a:effectLst/>
+                <a:latin typeface="+mj-lt"/>
+              </a:rPr>
+              <a:t>klíčové</a:t>
+            </a:r>
+            <a:r>
+              <a:rPr lang="en-US" sz="2000" b="0" i="0" dirty="0">
+                <a:effectLst/>
+                <a:latin typeface="+mj-lt"/>
+              </a:rPr>
+              <a:t> </a:t>
+            </a:r>
+            <a:r>
+              <a:rPr lang="en-US" sz="2000" b="0" i="0" dirty="0" err="1">
+                <a:effectLst/>
+                <a:latin typeface="+mj-lt"/>
+              </a:rPr>
+              <a:t>služby</a:t>
+            </a:r>
+            <a:r>
+              <a:rPr lang="en-US" sz="2000" b="0" i="0" dirty="0">
+                <a:effectLst/>
+                <a:latin typeface="+mj-lt"/>
+              </a:rPr>
+              <a:t> </a:t>
+            </a:r>
+            <a:r>
+              <a:rPr lang="en-US" sz="2000" b="0" i="0" dirty="0" err="1">
+                <a:effectLst/>
+                <a:latin typeface="+mj-lt"/>
+              </a:rPr>
+              <a:t>závislé</a:t>
+            </a:r>
+            <a:r>
+              <a:rPr lang="en-US" sz="2000" b="0" i="0" dirty="0">
+                <a:effectLst/>
+                <a:latin typeface="+mj-lt"/>
+              </a:rPr>
+              <a:t> </a:t>
+            </a:r>
+            <a:r>
+              <a:rPr lang="en-US" sz="2000" b="0" i="0" dirty="0" err="1">
+                <a:effectLst/>
+                <a:latin typeface="+mj-lt"/>
+              </a:rPr>
+              <a:t>na</a:t>
+            </a:r>
+            <a:r>
+              <a:rPr lang="en-US" sz="2000" b="0" i="0" dirty="0">
+                <a:effectLst/>
+                <a:latin typeface="+mj-lt"/>
+              </a:rPr>
+              <a:t> </a:t>
+            </a:r>
+            <a:r>
+              <a:rPr lang="en-US" sz="2000" b="0" i="0" dirty="0" err="1">
+                <a:effectLst/>
+                <a:latin typeface="+mj-lt"/>
+              </a:rPr>
+              <a:t>komunikačních</a:t>
+            </a:r>
+            <a:r>
+              <a:rPr lang="en-US" sz="2000" b="0" i="0" dirty="0">
+                <a:effectLst/>
+                <a:latin typeface="+mj-lt"/>
+              </a:rPr>
+              <a:t> </a:t>
+            </a:r>
+            <a:r>
+              <a:rPr lang="en-US" sz="2000" b="0" i="0" dirty="0" err="1">
+                <a:effectLst/>
+                <a:latin typeface="+mj-lt"/>
+              </a:rPr>
+              <a:t>sítích</a:t>
+            </a:r>
+            <a:r>
+              <a:rPr lang="en-US" sz="2000" b="0" i="0" dirty="0">
+                <a:effectLst/>
+                <a:latin typeface="+mj-lt"/>
+              </a:rPr>
+              <a:t> a </a:t>
+            </a:r>
+            <a:r>
+              <a:rPr lang="en-US" sz="2000" b="0" i="0" dirty="0" err="1">
+                <a:effectLst/>
+                <a:latin typeface="+mj-lt"/>
+              </a:rPr>
+              <a:t>informačních</a:t>
+            </a:r>
+            <a:r>
+              <a:rPr lang="en-US" sz="2000" b="0" i="0" dirty="0">
+                <a:effectLst/>
+                <a:latin typeface="+mj-lt"/>
+              </a:rPr>
+              <a:t> </a:t>
+            </a:r>
+            <a:r>
+              <a:rPr lang="en-US" sz="2000" b="0" i="0" dirty="0" err="1">
+                <a:effectLst/>
+                <a:latin typeface="+mj-lt"/>
+              </a:rPr>
+              <a:t>systémech</a:t>
+            </a:r>
+            <a:r>
+              <a:rPr lang="en-US" sz="2000" b="0" i="0" dirty="0">
+                <a:effectLst/>
+                <a:latin typeface="+mj-lt"/>
+              </a:rPr>
+              <a:t>.</a:t>
+            </a:r>
+          </a:p>
+          <a:p>
+            <a:pPr algn="l">
+              <a:buFont typeface="+mj-lt"/>
+              <a:buAutoNum type="arabicPeriod"/>
+            </a:pPr>
+            <a:r>
+              <a:rPr lang="cs-CZ" sz="2000" b="1" i="0" dirty="0">
+                <a:effectLst/>
+                <a:latin typeface="+mj-lt"/>
+              </a:rPr>
+              <a:t> </a:t>
+            </a:r>
+            <a:r>
+              <a:rPr lang="en-US" sz="2000" b="1" i="0" dirty="0" err="1">
+                <a:effectLst/>
+                <a:latin typeface="+mj-lt"/>
+              </a:rPr>
+              <a:t>Digitální</a:t>
+            </a:r>
+            <a:r>
+              <a:rPr lang="en-US" sz="2000" b="1" i="0" dirty="0">
+                <a:effectLst/>
+                <a:latin typeface="+mj-lt"/>
+              </a:rPr>
+              <a:t> </a:t>
+            </a:r>
+            <a:r>
+              <a:rPr lang="en-US" sz="2000" b="1" i="0" dirty="0" err="1">
+                <a:effectLst/>
+                <a:latin typeface="+mj-lt"/>
+              </a:rPr>
+              <a:t>služby</a:t>
+            </a:r>
+            <a:r>
+              <a:rPr lang="en-US" sz="2000" b="0" i="0" dirty="0">
+                <a:effectLst/>
+                <a:latin typeface="+mj-lt"/>
+              </a:rPr>
+              <a:t>: </a:t>
+            </a:r>
+            <a:r>
+              <a:rPr lang="en-US" sz="2000" b="0" i="0" dirty="0" err="1">
+                <a:effectLst/>
+                <a:latin typeface="+mj-lt"/>
+              </a:rPr>
+              <a:t>Zařazeny</a:t>
+            </a:r>
+            <a:r>
+              <a:rPr lang="en-US" sz="2000" b="0" i="0" dirty="0">
+                <a:effectLst/>
+                <a:latin typeface="+mj-lt"/>
+              </a:rPr>
+              <a:t> </a:t>
+            </a:r>
+            <a:r>
+              <a:rPr lang="en-US" sz="2000" b="0" i="0" dirty="0" err="1">
+                <a:effectLst/>
+                <a:latin typeface="+mj-lt"/>
+              </a:rPr>
+              <a:t>nové</a:t>
+            </a:r>
+            <a:r>
+              <a:rPr lang="en-US" sz="2000" b="0" i="0" dirty="0">
+                <a:effectLst/>
+                <a:latin typeface="+mj-lt"/>
+              </a:rPr>
+              <a:t> </a:t>
+            </a:r>
+            <a:r>
+              <a:rPr lang="en-US" sz="2000" b="0" i="0" dirty="0" err="1">
+                <a:effectLst/>
+                <a:latin typeface="+mj-lt"/>
+              </a:rPr>
+              <a:t>digitální</a:t>
+            </a:r>
+            <a:r>
+              <a:rPr lang="en-US" sz="2000" b="0" i="0" dirty="0">
+                <a:effectLst/>
+                <a:latin typeface="+mj-lt"/>
+              </a:rPr>
+              <a:t> </a:t>
+            </a:r>
+            <a:r>
+              <a:rPr lang="en-US" sz="2000" b="0" i="0" dirty="0" err="1">
+                <a:effectLst/>
+                <a:latin typeface="+mj-lt"/>
+              </a:rPr>
+              <a:t>služby</a:t>
+            </a:r>
+            <a:r>
+              <a:rPr lang="en-US" sz="2000" b="0" i="0" dirty="0">
+                <a:effectLst/>
+                <a:latin typeface="+mj-lt"/>
+              </a:rPr>
+              <a:t> </a:t>
+            </a:r>
+            <a:r>
+              <a:rPr lang="en-US" sz="2000" b="0" i="0" dirty="0" err="1">
+                <a:effectLst/>
+                <a:latin typeface="+mj-lt"/>
+              </a:rPr>
+              <a:t>jako</a:t>
+            </a:r>
+            <a:r>
+              <a:rPr lang="en-US" sz="2000" b="0" i="0" dirty="0">
+                <a:effectLst/>
+                <a:latin typeface="+mj-lt"/>
+              </a:rPr>
+              <a:t> </a:t>
+            </a:r>
+            <a:r>
+              <a:rPr lang="en-US" sz="2000" b="0" i="0" dirty="0" err="1">
+                <a:effectLst/>
+                <a:latin typeface="+mj-lt"/>
+              </a:rPr>
+              <a:t>vyhledávače</a:t>
+            </a:r>
+            <a:r>
+              <a:rPr lang="en-US" sz="2000" b="0" i="0" dirty="0">
+                <a:effectLst/>
+                <a:latin typeface="+mj-lt"/>
+              </a:rPr>
+              <a:t>, cloud computing a </a:t>
+            </a:r>
+            <a:r>
+              <a:rPr lang="en-US" sz="2000" b="0" i="0" dirty="0" err="1">
+                <a:effectLst/>
+                <a:latin typeface="+mj-lt"/>
+              </a:rPr>
+              <a:t>elektronická</a:t>
+            </a:r>
+            <a:r>
+              <a:rPr lang="en-US" sz="2000" b="0" i="0" dirty="0">
+                <a:effectLst/>
+                <a:latin typeface="+mj-lt"/>
+              </a:rPr>
+              <a:t> </a:t>
+            </a:r>
+            <a:r>
+              <a:rPr lang="en-US" sz="2000" b="0" i="0" dirty="0" err="1">
+                <a:effectLst/>
+                <a:latin typeface="+mj-lt"/>
+              </a:rPr>
+              <a:t>tržiště</a:t>
+            </a:r>
+            <a:r>
+              <a:rPr lang="en-US" sz="2000" b="0" i="0" dirty="0">
+                <a:effectLst/>
+                <a:latin typeface="+mj-lt"/>
+              </a:rPr>
+              <a:t>.</a:t>
+            </a:r>
+          </a:p>
+          <a:p>
+            <a:pPr algn="l">
+              <a:buFont typeface="+mj-lt"/>
+              <a:buAutoNum type="arabicPeriod"/>
+            </a:pPr>
+            <a:r>
+              <a:rPr lang="cs-CZ" sz="2000" b="1" i="0" dirty="0">
+                <a:effectLst/>
+                <a:latin typeface="+mj-lt"/>
+              </a:rPr>
+              <a:t> </a:t>
+            </a:r>
+            <a:r>
+              <a:rPr lang="en-US" sz="2000" b="1" i="0" dirty="0" err="1">
+                <a:effectLst/>
+                <a:latin typeface="+mj-lt"/>
+              </a:rPr>
+              <a:t>Zdravotnictví</a:t>
+            </a:r>
+            <a:r>
+              <a:rPr lang="en-US" sz="2000" b="0" i="0" dirty="0">
+                <a:effectLst/>
+                <a:latin typeface="+mj-lt"/>
+              </a:rPr>
+              <a:t>: </a:t>
+            </a:r>
+            <a:r>
+              <a:rPr lang="en-US" sz="2000" b="0" i="0" dirty="0" err="1">
+                <a:effectLst/>
+                <a:latin typeface="+mj-lt"/>
+              </a:rPr>
+              <a:t>Rozšířeno</a:t>
+            </a:r>
+            <a:r>
+              <a:rPr lang="en-US" sz="2000" b="0" i="0" dirty="0">
+                <a:effectLst/>
+                <a:latin typeface="+mj-lt"/>
+              </a:rPr>
+              <a:t> </a:t>
+            </a:r>
+            <a:r>
+              <a:rPr lang="en-US" sz="2000" b="0" i="0" dirty="0" err="1">
+                <a:effectLst/>
+                <a:latin typeface="+mj-lt"/>
+              </a:rPr>
+              <a:t>na</a:t>
+            </a:r>
+            <a:r>
+              <a:rPr lang="en-US" sz="2000" b="0" i="0" dirty="0">
+                <a:effectLst/>
+                <a:latin typeface="+mj-lt"/>
+              </a:rPr>
+              <a:t> </a:t>
+            </a:r>
+            <a:r>
+              <a:rPr lang="en-US" sz="2000" b="0" i="0" dirty="0" err="1">
+                <a:effectLst/>
+                <a:latin typeface="+mj-lt"/>
+              </a:rPr>
+              <a:t>všechna</a:t>
+            </a:r>
+            <a:r>
+              <a:rPr lang="en-US" sz="2000" b="0" i="0" dirty="0">
+                <a:effectLst/>
+                <a:latin typeface="+mj-lt"/>
+              </a:rPr>
+              <a:t> </a:t>
+            </a:r>
+            <a:r>
+              <a:rPr lang="en-US" sz="2000" b="0" i="0" dirty="0" err="1">
+                <a:effectLst/>
+                <a:latin typeface="+mj-lt"/>
+              </a:rPr>
+              <a:t>zdravotnická</a:t>
+            </a:r>
+            <a:r>
+              <a:rPr lang="en-US" sz="2000" b="0" i="0" dirty="0">
+                <a:effectLst/>
+                <a:latin typeface="+mj-lt"/>
+              </a:rPr>
+              <a:t> </a:t>
+            </a:r>
+            <a:r>
+              <a:rPr lang="en-US" sz="2000" b="0" i="0" dirty="0" err="1">
+                <a:effectLst/>
+                <a:latin typeface="+mj-lt"/>
+              </a:rPr>
+              <a:t>zařízení</a:t>
+            </a:r>
+            <a:r>
+              <a:rPr lang="en-US" sz="2000" b="0" i="0" dirty="0">
+                <a:effectLst/>
+                <a:latin typeface="+mj-lt"/>
+              </a:rPr>
+              <a:t>, </a:t>
+            </a:r>
+            <a:r>
+              <a:rPr lang="en-US" sz="2000" b="0" i="0" dirty="0" err="1">
+                <a:effectLst/>
+                <a:latin typeface="+mj-lt"/>
+              </a:rPr>
+              <a:t>nejen</a:t>
+            </a:r>
+            <a:r>
+              <a:rPr lang="en-US" sz="2000" b="0" i="0" dirty="0">
+                <a:effectLst/>
+                <a:latin typeface="+mj-lt"/>
+              </a:rPr>
+              <a:t> ta s </a:t>
+            </a:r>
+            <a:r>
+              <a:rPr lang="en-US" sz="2000" b="0" i="0" dirty="0" err="1">
+                <a:effectLst/>
+                <a:latin typeface="+mj-lt"/>
+              </a:rPr>
+              <a:t>kapacitou</a:t>
+            </a:r>
+            <a:r>
+              <a:rPr lang="en-US" sz="2000" b="0" i="0" dirty="0">
+                <a:effectLst/>
+                <a:latin typeface="+mj-lt"/>
+              </a:rPr>
+              <a:t> 2500 </a:t>
+            </a:r>
+            <a:r>
+              <a:rPr lang="en-US" sz="2000" b="0" i="0" dirty="0" err="1">
+                <a:effectLst/>
+                <a:latin typeface="+mj-lt"/>
+              </a:rPr>
+              <a:t>akutních</a:t>
+            </a:r>
+            <a:r>
+              <a:rPr lang="en-US" sz="2000" b="0" i="0" dirty="0">
+                <a:effectLst/>
+                <a:latin typeface="+mj-lt"/>
+              </a:rPr>
+              <a:t> </a:t>
+            </a:r>
+            <a:r>
+              <a:rPr lang="en-US" sz="2000" b="0" i="0" dirty="0" err="1">
+                <a:effectLst/>
+                <a:latin typeface="+mj-lt"/>
+              </a:rPr>
+              <a:t>lůžek</a:t>
+            </a:r>
+            <a:r>
+              <a:rPr lang="en-US" sz="2000" b="0" i="0" dirty="0">
+                <a:effectLst/>
+                <a:latin typeface="+mj-lt"/>
+              </a:rPr>
+              <a:t>.</a:t>
+            </a:r>
+          </a:p>
+          <a:p>
+            <a:pPr algn="l">
+              <a:buFont typeface="+mj-lt"/>
+              <a:buAutoNum type="arabicPeriod"/>
+            </a:pPr>
+            <a:r>
+              <a:rPr lang="cs-CZ" sz="2000" b="1" i="0" dirty="0">
+                <a:effectLst/>
+                <a:latin typeface="+mj-lt"/>
+              </a:rPr>
+              <a:t> </a:t>
+            </a:r>
+            <a:r>
+              <a:rPr lang="en-US" sz="2000" b="1" i="0" dirty="0" err="1">
+                <a:effectLst/>
+                <a:latin typeface="+mj-lt"/>
+              </a:rPr>
+              <a:t>Digitální</a:t>
+            </a:r>
+            <a:r>
+              <a:rPr lang="en-US" sz="2000" b="1" i="0" dirty="0">
+                <a:effectLst/>
+                <a:latin typeface="+mj-lt"/>
+              </a:rPr>
+              <a:t> </a:t>
+            </a:r>
+            <a:r>
+              <a:rPr lang="en-US" sz="2000" b="1" i="0" dirty="0" err="1">
+                <a:effectLst/>
+                <a:latin typeface="+mj-lt"/>
+              </a:rPr>
+              <a:t>infrastruktura</a:t>
+            </a:r>
+            <a:r>
+              <a:rPr lang="en-US" sz="2000" b="0" i="0" dirty="0">
+                <a:effectLst/>
+                <a:latin typeface="+mj-lt"/>
+              </a:rPr>
+              <a:t>: </a:t>
+            </a:r>
+            <a:r>
+              <a:rPr lang="en-US" sz="2000" b="0" i="0" dirty="0" err="1">
+                <a:effectLst/>
+                <a:latin typeface="+mj-lt"/>
+              </a:rPr>
+              <a:t>Zařazeni</a:t>
+            </a:r>
+            <a:r>
+              <a:rPr lang="en-US" sz="2000" b="0" i="0" dirty="0">
+                <a:effectLst/>
+                <a:latin typeface="+mj-lt"/>
+              </a:rPr>
+              <a:t> </a:t>
+            </a:r>
+            <a:r>
+              <a:rPr lang="en-US" sz="2000" b="0" i="0" dirty="0" err="1">
+                <a:effectLst/>
+                <a:latin typeface="+mj-lt"/>
+              </a:rPr>
+              <a:t>poskytovatelé</a:t>
+            </a:r>
+            <a:r>
+              <a:rPr lang="en-US" sz="2000" b="0" i="0" dirty="0">
+                <a:effectLst/>
+                <a:latin typeface="+mj-lt"/>
+              </a:rPr>
+              <a:t> </a:t>
+            </a:r>
+            <a:r>
+              <a:rPr lang="en-US" sz="2000" b="0" i="0" dirty="0" err="1">
+                <a:effectLst/>
+                <a:latin typeface="+mj-lt"/>
+              </a:rPr>
+              <a:t>internetových</a:t>
+            </a:r>
+            <a:r>
+              <a:rPr lang="en-US" sz="2000" b="0" i="0" dirty="0">
+                <a:effectLst/>
+                <a:latin typeface="+mj-lt"/>
+              </a:rPr>
+              <a:t> </a:t>
+            </a:r>
+            <a:r>
+              <a:rPr lang="en-US" sz="2000" b="0" i="0" dirty="0" err="1">
+                <a:effectLst/>
+                <a:latin typeface="+mj-lt"/>
+              </a:rPr>
+              <a:t>vyhledávačů</a:t>
+            </a:r>
+            <a:r>
+              <a:rPr lang="en-US" sz="2000" b="0" i="0" dirty="0">
+                <a:effectLst/>
+                <a:latin typeface="+mj-lt"/>
+              </a:rPr>
+              <a:t>, </a:t>
+            </a:r>
+            <a:r>
+              <a:rPr lang="en-US" sz="2000" b="0" i="0" dirty="0" err="1">
+                <a:effectLst/>
+                <a:latin typeface="+mj-lt"/>
+              </a:rPr>
+              <a:t>eShopů</a:t>
+            </a:r>
+            <a:r>
+              <a:rPr lang="en-US" sz="2000" b="0" i="0" dirty="0">
+                <a:effectLst/>
+                <a:latin typeface="+mj-lt"/>
+              </a:rPr>
+              <a:t> a </a:t>
+            </a:r>
+            <a:r>
+              <a:rPr lang="en-US" sz="2000" b="0" i="0" dirty="0" err="1">
+                <a:effectLst/>
+                <a:latin typeface="+mj-lt"/>
+              </a:rPr>
+              <a:t>cloudových</a:t>
+            </a:r>
+            <a:r>
+              <a:rPr lang="en-US" sz="2000" b="0" i="0" dirty="0">
+                <a:effectLst/>
+                <a:latin typeface="+mj-lt"/>
+              </a:rPr>
+              <a:t> </a:t>
+            </a:r>
+            <a:r>
+              <a:rPr lang="en-US" sz="2000" b="0" i="0" dirty="0" err="1">
+                <a:effectLst/>
+                <a:latin typeface="+mj-lt"/>
+              </a:rPr>
+              <a:t>služeb</a:t>
+            </a:r>
+            <a:r>
+              <a:rPr lang="en-US" sz="2000" b="0" i="0" dirty="0">
+                <a:effectLst/>
+                <a:latin typeface="+mj-lt"/>
+              </a:rPr>
+              <a:t>.</a:t>
+            </a:r>
+          </a:p>
+          <a:p>
+            <a:pPr algn="l">
+              <a:buFont typeface="+mj-lt"/>
+              <a:buAutoNum type="arabicPeriod"/>
+            </a:pPr>
+            <a:r>
+              <a:rPr lang="cs-CZ" sz="2000" b="1" i="0" dirty="0">
+                <a:effectLst/>
+                <a:latin typeface="+mj-lt"/>
+              </a:rPr>
+              <a:t> </a:t>
+            </a:r>
+            <a:r>
+              <a:rPr lang="en-US" sz="2000" b="1" i="0" dirty="0" err="1">
+                <a:effectLst/>
+                <a:latin typeface="+mj-lt"/>
+              </a:rPr>
+              <a:t>Povinnost</a:t>
+            </a:r>
+            <a:r>
+              <a:rPr lang="en-US" sz="2000" b="1" i="0" dirty="0">
+                <a:effectLst/>
+                <a:latin typeface="+mj-lt"/>
+              </a:rPr>
+              <a:t> </a:t>
+            </a:r>
+            <a:r>
+              <a:rPr lang="en-US" sz="2000" b="1" i="0" dirty="0" err="1">
+                <a:effectLst/>
+                <a:latin typeface="+mj-lt"/>
+              </a:rPr>
+              <a:t>zabezpečení</a:t>
+            </a:r>
+            <a:r>
+              <a:rPr lang="en-US" sz="2000" b="0" i="0" dirty="0">
+                <a:effectLst/>
+                <a:latin typeface="+mj-lt"/>
+              </a:rPr>
+              <a:t>: </a:t>
+            </a:r>
+            <a:r>
+              <a:rPr lang="en-US" sz="2000" b="0" i="0" dirty="0" err="1">
+                <a:effectLst/>
+                <a:latin typeface="+mj-lt"/>
+              </a:rPr>
+              <a:t>Všechny</a:t>
+            </a:r>
+            <a:r>
+              <a:rPr lang="en-US" sz="2000" b="0" i="0" dirty="0">
+                <a:effectLst/>
+                <a:latin typeface="+mj-lt"/>
+              </a:rPr>
+              <a:t> </a:t>
+            </a:r>
+            <a:r>
+              <a:rPr lang="en-US" sz="2000" b="0" i="0" dirty="0" err="1">
+                <a:effectLst/>
+                <a:latin typeface="+mj-lt"/>
+              </a:rPr>
+              <a:t>společnosti</a:t>
+            </a:r>
+            <a:r>
+              <a:rPr lang="en-US" sz="2000" b="0" i="0" dirty="0">
+                <a:effectLst/>
+                <a:latin typeface="+mj-lt"/>
+              </a:rPr>
+              <a:t> </a:t>
+            </a:r>
+            <a:r>
+              <a:rPr lang="en-US" sz="2000" b="0" i="0" dirty="0" err="1">
+                <a:effectLst/>
+                <a:latin typeface="+mj-lt"/>
+              </a:rPr>
+              <a:t>musí</a:t>
+            </a:r>
+            <a:r>
+              <a:rPr lang="en-US" sz="2000" b="0" i="0" dirty="0">
+                <a:effectLst/>
+                <a:latin typeface="+mj-lt"/>
+              </a:rPr>
+              <a:t> </a:t>
+            </a:r>
+            <a:r>
+              <a:rPr lang="en-US" sz="2000" b="0" i="0" dirty="0" err="1">
+                <a:effectLst/>
+                <a:latin typeface="+mj-lt"/>
+              </a:rPr>
+              <a:t>zajišťovat</a:t>
+            </a:r>
+            <a:r>
+              <a:rPr lang="en-US" sz="2000" b="0" i="0" dirty="0">
+                <a:effectLst/>
+                <a:latin typeface="+mj-lt"/>
+              </a:rPr>
+              <a:t> </a:t>
+            </a:r>
+            <a:r>
+              <a:rPr lang="en-US" sz="2000" b="0" i="0" dirty="0" err="1">
+                <a:effectLst/>
+                <a:latin typeface="+mj-lt"/>
+              </a:rPr>
+              <a:t>bezpečnost</a:t>
+            </a:r>
+            <a:r>
+              <a:rPr lang="en-US" sz="2000" b="0" i="0" dirty="0">
+                <a:effectLst/>
+                <a:latin typeface="+mj-lt"/>
+              </a:rPr>
+              <a:t> </a:t>
+            </a:r>
+            <a:r>
+              <a:rPr lang="en-US" sz="2000" b="0" i="0" dirty="0" err="1">
+                <a:effectLst/>
+                <a:latin typeface="+mj-lt"/>
+              </a:rPr>
+              <a:t>svých</a:t>
+            </a:r>
+            <a:r>
+              <a:rPr lang="en-US" sz="2000" b="0" i="0" dirty="0">
+                <a:effectLst/>
+                <a:latin typeface="+mj-lt"/>
+              </a:rPr>
+              <a:t> </a:t>
+            </a:r>
+            <a:r>
+              <a:rPr lang="en-US" sz="2000" b="0" i="0" dirty="0" err="1">
+                <a:effectLst/>
+                <a:latin typeface="+mj-lt"/>
+              </a:rPr>
+              <a:t>informačních</a:t>
+            </a:r>
+            <a:r>
+              <a:rPr lang="en-US" sz="2000" b="0" i="0" dirty="0">
+                <a:effectLst/>
+                <a:latin typeface="+mj-lt"/>
+              </a:rPr>
+              <a:t> </a:t>
+            </a:r>
+            <a:r>
+              <a:rPr lang="en-US" sz="2000" b="0" i="0" dirty="0" err="1">
+                <a:effectLst/>
+                <a:latin typeface="+mj-lt"/>
+              </a:rPr>
+              <a:t>systémů</a:t>
+            </a:r>
+            <a:r>
+              <a:rPr lang="en-US" sz="2000" b="0" i="0" dirty="0">
+                <a:effectLst/>
+                <a:latin typeface="+mj-lt"/>
+              </a:rPr>
+              <a:t>.</a:t>
+            </a:r>
+          </a:p>
+          <a:p>
+            <a:pPr algn="l">
+              <a:buFont typeface="+mj-lt"/>
+              <a:buAutoNum type="arabicPeriod"/>
+            </a:pPr>
+            <a:r>
+              <a:rPr lang="cs-CZ" sz="2000" b="1" i="0" dirty="0">
+                <a:effectLst/>
+                <a:latin typeface="+mj-lt"/>
+              </a:rPr>
+              <a:t> </a:t>
+            </a:r>
+            <a:r>
+              <a:rPr lang="en-US" sz="2000" b="1" i="0" dirty="0" err="1">
+                <a:effectLst/>
+                <a:latin typeface="+mj-lt"/>
+              </a:rPr>
+              <a:t>Významné</a:t>
+            </a:r>
+            <a:r>
+              <a:rPr lang="en-US" sz="2000" b="1" i="0" dirty="0">
+                <a:effectLst/>
+                <a:latin typeface="+mj-lt"/>
+              </a:rPr>
+              <a:t> </a:t>
+            </a:r>
+            <a:r>
+              <a:rPr lang="en-US" sz="2000" b="1" i="0" dirty="0" err="1">
+                <a:effectLst/>
+                <a:latin typeface="+mj-lt"/>
+              </a:rPr>
+              <a:t>systémy</a:t>
+            </a:r>
+            <a:r>
+              <a:rPr lang="en-US" sz="2000" b="0" i="0" dirty="0">
+                <a:effectLst/>
+                <a:latin typeface="+mj-lt"/>
+              </a:rPr>
+              <a:t>: </a:t>
+            </a:r>
+            <a:r>
+              <a:rPr lang="en-US" sz="2000" b="0" i="0" dirty="0" err="1">
+                <a:effectLst/>
+                <a:latin typeface="+mj-lt"/>
+              </a:rPr>
+              <a:t>Změny</a:t>
+            </a:r>
+            <a:r>
+              <a:rPr lang="en-US" sz="2000" b="0" i="0" dirty="0">
+                <a:effectLst/>
+                <a:latin typeface="+mj-lt"/>
+              </a:rPr>
+              <a:t> v </a:t>
+            </a:r>
+            <a:r>
+              <a:rPr lang="en-US" sz="2000" b="0" i="0" dirty="0" err="1">
+                <a:effectLst/>
+                <a:latin typeface="+mj-lt"/>
+              </a:rPr>
+              <a:t>požadavcích</a:t>
+            </a:r>
+            <a:r>
+              <a:rPr lang="en-US" sz="2000" b="0" i="0" dirty="0">
+                <a:effectLst/>
+                <a:latin typeface="+mj-lt"/>
+              </a:rPr>
+              <a:t> </a:t>
+            </a:r>
+            <a:r>
+              <a:rPr lang="en-US" sz="2000" b="0" i="0" dirty="0" err="1">
+                <a:effectLst/>
+                <a:latin typeface="+mj-lt"/>
+              </a:rPr>
+              <a:t>na</a:t>
+            </a:r>
+            <a:r>
+              <a:rPr lang="en-US" sz="2000" b="0" i="0" dirty="0">
+                <a:effectLst/>
+                <a:latin typeface="+mj-lt"/>
+              </a:rPr>
+              <a:t> </a:t>
+            </a:r>
+            <a:r>
+              <a:rPr lang="en-US" sz="2000" b="0" i="0" dirty="0" err="1">
+                <a:effectLst/>
+                <a:latin typeface="+mj-lt"/>
+              </a:rPr>
+              <a:t>provozovatele</a:t>
+            </a:r>
+            <a:r>
+              <a:rPr lang="en-US" sz="2000" b="0" i="0" dirty="0">
+                <a:effectLst/>
+                <a:latin typeface="+mj-lt"/>
+              </a:rPr>
+              <a:t> </a:t>
+            </a:r>
+            <a:r>
+              <a:rPr lang="en-US" sz="2000" b="0" i="0" dirty="0" err="1">
+                <a:effectLst/>
+                <a:latin typeface="+mj-lt"/>
+              </a:rPr>
+              <a:t>významných</a:t>
+            </a:r>
+            <a:r>
+              <a:rPr lang="en-US" sz="2000" b="0" i="0" dirty="0">
+                <a:effectLst/>
+                <a:latin typeface="+mj-lt"/>
+              </a:rPr>
+              <a:t> a </a:t>
+            </a:r>
+            <a:r>
+              <a:rPr lang="en-US" sz="2000" b="0" i="0" dirty="0" err="1">
+                <a:effectLst/>
+                <a:latin typeface="+mj-lt"/>
+              </a:rPr>
+              <a:t>kritických</a:t>
+            </a:r>
+            <a:r>
+              <a:rPr lang="en-US" sz="2000" b="0" i="0" dirty="0">
+                <a:effectLst/>
+                <a:latin typeface="+mj-lt"/>
+              </a:rPr>
+              <a:t> </a:t>
+            </a:r>
+            <a:r>
+              <a:rPr lang="en-US" sz="2000" b="0" i="0" dirty="0" err="1">
+                <a:effectLst/>
+                <a:latin typeface="+mj-lt"/>
+              </a:rPr>
+              <a:t>informačních</a:t>
+            </a:r>
+            <a:r>
+              <a:rPr lang="en-US" sz="2000" b="0" i="0" dirty="0">
+                <a:effectLst/>
+                <a:latin typeface="+mj-lt"/>
+              </a:rPr>
+              <a:t> </a:t>
+            </a:r>
+            <a:r>
+              <a:rPr lang="en-US" sz="2000" b="0" i="0" dirty="0" err="1">
+                <a:effectLst/>
+                <a:latin typeface="+mj-lt"/>
+              </a:rPr>
+              <a:t>systémů</a:t>
+            </a:r>
+            <a:r>
+              <a:rPr lang="en-US" sz="2000" b="0" i="0" dirty="0">
+                <a:effectLst/>
+                <a:latin typeface="+mj-lt"/>
+              </a:rPr>
+              <a:t>.</a:t>
+            </a:r>
           </a:p>
         </p:txBody>
       </p:sp>
@@ -2588,8 +4038,8 @@
         </p:nvSpPr>
         <p:spPr>
           <a:xfrm>
-            <a:off x="139959" y="1567544"/>
-            <a:ext cx="9843061" cy="3645910"/>
+            <a:off x="139959" y="1567543"/>
+            <a:ext cx="9843061" cy="4007633"/>
           </a:xfrm>
         </p:spPr>
         <p:txBody>
@@ -2599,41 +4049,562 @@
           <a:lstStyle/>
           <a:p>
             <a:r>
-              <a:rPr lang="cs-CZ" sz="2000" dirty="0">
-                <a:effectLst/>
-                <a:latin typeface="Arial" panose="020B0604020202020204" pitchFamily="34" charset="0"/>
-                <a:ea typeface="Arial" panose="020B0604020202020204" pitchFamily="34" charset="0"/>
-              </a:rPr>
-              <a:t>Pacienti hospitalizovaní ve zdravotnickém zařízení dnes očekávají možnost přístupu k Internetu (práce, kontakt s rodinou ).. Běžně používají zařízení různého typu (telefon, NTB…). </a:t>
-            </a:r>
-          </a:p>
-          <a:p>
-            <a:r>
-              <a:rPr lang="cs-CZ" sz="2000" dirty="0">
-                <a:effectLst/>
-                <a:latin typeface="Arial" panose="020B0604020202020204" pitchFamily="34" charset="0"/>
-                <a:ea typeface="Arial" panose="020B0604020202020204" pitchFamily="34" charset="0"/>
-              </a:rPr>
-              <a:t>Při nedodržení jasné bezpečnostní politiky hrozí nebezpečí, že se pacient dostane do vnitřního IS dané nemocnice. </a:t>
-            </a:r>
-          </a:p>
-          <a:p>
-            <a:r>
-              <a:rPr lang="cs-CZ" sz="2000" dirty="0">
-                <a:effectLst/>
-                <a:latin typeface="Arial" panose="020B0604020202020204" pitchFamily="34" charset="0"/>
-                <a:ea typeface="Arial" panose="020B0604020202020204" pitchFamily="34" charset="0"/>
-              </a:rPr>
-              <a:t>Student zanalyzuje teoreticky stav v menší nemocnici a navrhne jasná pravidla pro zabezpečení. Např. oddělení  jednotlivých IS, nemožnost odposlechnout data, fyzická bezpečnost (pacient není sám ponechán v ordinaci s otevřeným počítačem personálu atd.). Student tato nebezpečí shrne a navrhne základní ochranu proti nim.</a:t>
-            </a:r>
-            <a:endParaRPr lang="en-US" sz="2000" dirty="0">
+              <a:rPr lang="en-US" b="0" i="0" dirty="0" err="1">
+                <a:effectLst/>
+                <a:latin typeface="+mj-lt"/>
+              </a:rPr>
+              <a:t>Dosáhli</a:t>
+            </a:r>
+            <a:r>
+              <a:rPr lang="en-US" b="0" i="0" dirty="0">
+                <a:effectLst/>
+                <a:latin typeface="+mj-lt"/>
+              </a:rPr>
+              <a:t> </a:t>
+            </a:r>
+            <a:r>
+              <a:rPr lang="en-US" b="0" i="0" dirty="0" err="1">
+                <a:effectLst/>
+                <a:latin typeface="+mj-lt"/>
+              </a:rPr>
+              <a:t>jsme</a:t>
+            </a:r>
+            <a:r>
+              <a:rPr lang="en-US" b="0" i="0" dirty="0">
+                <a:effectLst/>
+                <a:latin typeface="+mj-lt"/>
+              </a:rPr>
+              <a:t> </a:t>
+            </a:r>
+            <a:r>
+              <a:rPr lang="en-US" b="0" i="0" dirty="0" err="1">
+                <a:effectLst/>
+                <a:latin typeface="+mj-lt"/>
+              </a:rPr>
+              <a:t>většiny</a:t>
+            </a:r>
+            <a:r>
+              <a:rPr lang="en-US" b="0" i="0" dirty="0">
+                <a:effectLst/>
+                <a:latin typeface="+mj-lt"/>
+              </a:rPr>
+              <a:t> </a:t>
+            </a:r>
+            <a:r>
+              <a:rPr lang="en-US" b="0" i="0" dirty="0" err="1">
+                <a:effectLst/>
+                <a:latin typeface="+mj-lt"/>
+              </a:rPr>
+              <a:t>cílů</a:t>
+            </a:r>
+            <a:r>
+              <a:rPr lang="en-US" b="0" i="0" dirty="0">
+                <a:effectLst/>
+                <a:latin typeface="+mj-lt"/>
+              </a:rPr>
+              <a:t> v </a:t>
+            </a:r>
+            <a:r>
+              <a:rPr lang="en-US" b="0" i="0" dirty="0" err="1">
+                <a:effectLst/>
+                <a:latin typeface="+mj-lt"/>
+              </a:rPr>
+              <a:t>rámci</a:t>
+            </a:r>
+            <a:r>
+              <a:rPr lang="en-US" b="0" i="0" dirty="0">
+                <a:effectLst/>
+                <a:latin typeface="+mj-lt"/>
+              </a:rPr>
+              <a:t> </a:t>
+            </a:r>
+            <a:r>
+              <a:rPr lang="en-US" b="0" i="0" dirty="0" err="1">
+                <a:effectLst/>
+                <a:latin typeface="+mj-lt"/>
+              </a:rPr>
+              <a:t>implementace</a:t>
+            </a:r>
+            <a:r>
+              <a:rPr lang="en-US" b="0" i="0" dirty="0">
+                <a:effectLst/>
+                <a:latin typeface="+mj-lt"/>
+              </a:rPr>
+              <a:t> NIS2 a </a:t>
+            </a:r>
+            <a:r>
+              <a:rPr lang="en-US" b="0" i="0" dirty="0" err="1">
+                <a:effectLst/>
+                <a:latin typeface="+mj-lt"/>
+              </a:rPr>
+              <a:t>nového</a:t>
+            </a:r>
+            <a:r>
+              <a:rPr lang="en-US" b="0" i="0" dirty="0">
+                <a:effectLst/>
+                <a:latin typeface="+mj-lt"/>
+              </a:rPr>
+              <a:t> </a:t>
+            </a:r>
+            <a:r>
+              <a:rPr lang="en-US" b="0" i="0" dirty="0" err="1">
+                <a:effectLst/>
+                <a:latin typeface="+mj-lt"/>
+              </a:rPr>
+              <a:t>Zákonu</a:t>
+            </a:r>
+            <a:r>
+              <a:rPr lang="en-US" b="0" i="0" dirty="0">
+                <a:effectLst/>
+                <a:latin typeface="+mj-lt"/>
+              </a:rPr>
+              <a:t> o </a:t>
+            </a:r>
+            <a:r>
+              <a:rPr lang="en-US" b="0" i="0" dirty="0" err="1">
+                <a:effectLst/>
+                <a:latin typeface="+mj-lt"/>
+              </a:rPr>
+              <a:t>Kybernetické</a:t>
+            </a:r>
+            <a:r>
+              <a:rPr lang="en-US" b="0" i="0" dirty="0">
+                <a:effectLst/>
+                <a:latin typeface="+mj-lt"/>
+              </a:rPr>
+              <a:t> </a:t>
+            </a:r>
+            <a:r>
+              <a:rPr lang="en-US" b="0" i="0" dirty="0" err="1">
+                <a:effectLst/>
+                <a:latin typeface="+mj-lt"/>
+              </a:rPr>
+              <a:t>bezpečnosti</a:t>
+            </a:r>
+            <a:r>
+              <a:rPr lang="en-US" b="0" i="0" dirty="0">
+                <a:effectLst/>
+                <a:latin typeface="+mj-lt"/>
+              </a:rPr>
+              <a:t> (ZoKB), </a:t>
+            </a:r>
+            <a:r>
+              <a:rPr lang="en-US" b="0" i="0" dirty="0" err="1">
+                <a:effectLst/>
+                <a:latin typeface="+mj-lt"/>
+              </a:rPr>
+              <a:t>přestože</a:t>
+            </a:r>
+            <a:r>
+              <a:rPr lang="en-US" b="0" i="0" dirty="0">
+                <a:effectLst/>
+                <a:latin typeface="+mj-lt"/>
+              </a:rPr>
+              <a:t> se </a:t>
+            </a:r>
+            <a:r>
+              <a:rPr lang="en-US" b="0" i="0" dirty="0" err="1">
+                <a:effectLst/>
+                <a:latin typeface="+mj-lt"/>
+              </a:rPr>
+              <a:t>jedná</a:t>
+            </a:r>
+            <a:r>
+              <a:rPr lang="en-US" b="0" i="0" dirty="0">
+                <a:effectLst/>
+                <a:latin typeface="+mj-lt"/>
+              </a:rPr>
+              <a:t> o </a:t>
+            </a:r>
+            <a:r>
+              <a:rPr lang="en-US" b="0" i="0" dirty="0" err="1">
+                <a:effectLst/>
+                <a:latin typeface="+mj-lt"/>
+              </a:rPr>
+              <a:t>velmi</a:t>
+            </a:r>
+            <a:r>
+              <a:rPr lang="en-US" b="0" i="0" dirty="0">
+                <a:effectLst/>
+                <a:latin typeface="+mj-lt"/>
+              </a:rPr>
+              <a:t> </a:t>
+            </a:r>
+            <a:r>
+              <a:rPr lang="en-US" b="0" i="0" dirty="0" err="1">
+                <a:effectLst/>
+                <a:latin typeface="+mj-lt"/>
+              </a:rPr>
+              <a:t>složitou</a:t>
+            </a:r>
+            <a:r>
+              <a:rPr lang="en-US" b="0" i="0" dirty="0">
+                <a:effectLst/>
+                <a:latin typeface="+mj-lt"/>
+              </a:rPr>
+              <a:t> a </a:t>
+            </a:r>
+            <a:r>
+              <a:rPr lang="en-US" b="0" i="0" dirty="0" err="1">
+                <a:effectLst/>
+                <a:latin typeface="+mj-lt"/>
+              </a:rPr>
+              <a:t>dynamickou</a:t>
+            </a:r>
+            <a:r>
+              <a:rPr lang="en-US" b="0" i="0" dirty="0">
+                <a:effectLst/>
+                <a:latin typeface="+mj-lt"/>
+              </a:rPr>
+              <a:t> oblast. </a:t>
+            </a:r>
+            <a:endParaRPr lang="cs-CZ" b="0" i="0" dirty="0">
               <a:effectLst/>
-              <a:latin typeface="Arial" panose="020B0604020202020204" pitchFamily="34" charset="0"/>
-              <a:ea typeface="Arial" panose="020B0604020202020204" pitchFamily="34" charset="0"/>
+              <a:latin typeface="+mj-lt"/>
             </a:endParaRPr>
           </a:p>
           <a:p>
-            <a:endParaRPr lang="en-US" sz="2800" dirty="0"/>
+            <a:endParaRPr lang="cs-CZ" b="0" dirty="0">
+              <a:latin typeface="+mj-lt"/>
+            </a:endParaRPr>
+          </a:p>
+          <a:p>
+            <a:r>
+              <a:rPr lang="en-US" b="0" i="0" dirty="0" err="1">
+                <a:effectLst/>
+                <a:latin typeface="+mj-lt"/>
+              </a:rPr>
+              <a:t>Nový</a:t>
+            </a:r>
+            <a:r>
+              <a:rPr lang="en-US" b="0" i="0" dirty="0">
+                <a:effectLst/>
+                <a:latin typeface="+mj-lt"/>
+              </a:rPr>
+              <a:t> ZoKB je </a:t>
+            </a:r>
+            <a:r>
+              <a:rPr lang="en-US" b="0" i="0" dirty="0" err="1">
+                <a:effectLst/>
+                <a:latin typeface="+mj-lt"/>
+              </a:rPr>
+              <a:t>stále</a:t>
+            </a:r>
+            <a:r>
+              <a:rPr lang="en-US" b="0" i="0" dirty="0">
+                <a:effectLst/>
+                <a:latin typeface="+mj-lt"/>
+              </a:rPr>
+              <a:t> v </a:t>
+            </a:r>
+            <a:r>
+              <a:rPr lang="en-US" b="0" i="0" dirty="0" err="1">
+                <a:effectLst/>
+                <a:latin typeface="+mj-lt"/>
+              </a:rPr>
+              <a:t>procesu</a:t>
+            </a:r>
+            <a:r>
+              <a:rPr lang="en-US" b="0" i="0" dirty="0">
+                <a:effectLst/>
+                <a:latin typeface="+mj-lt"/>
+              </a:rPr>
+              <a:t> </a:t>
+            </a:r>
+            <a:r>
+              <a:rPr lang="en-US" b="0" i="0" dirty="0" err="1">
+                <a:effectLst/>
+                <a:latin typeface="+mj-lt"/>
+              </a:rPr>
+              <a:t>schvalování</a:t>
+            </a:r>
+            <a:r>
+              <a:rPr lang="en-US" b="0" i="0" dirty="0">
+                <a:effectLst/>
+                <a:latin typeface="+mj-lt"/>
+              </a:rPr>
+              <a:t>, </a:t>
+            </a:r>
+            <a:r>
+              <a:rPr lang="en-US" b="0" i="0" dirty="0" err="1">
+                <a:effectLst/>
+                <a:latin typeface="+mj-lt"/>
+              </a:rPr>
+              <a:t>což</a:t>
+            </a:r>
+            <a:r>
+              <a:rPr lang="en-US" b="0" i="0" dirty="0">
+                <a:effectLst/>
+                <a:latin typeface="+mj-lt"/>
+              </a:rPr>
+              <a:t> </a:t>
+            </a:r>
+            <a:r>
+              <a:rPr lang="en-US" b="0" i="0" dirty="0" err="1">
+                <a:effectLst/>
+                <a:latin typeface="+mj-lt"/>
+              </a:rPr>
+              <a:t>nám</a:t>
+            </a:r>
+            <a:r>
+              <a:rPr lang="en-US" b="0" i="0" dirty="0">
+                <a:effectLst/>
+                <a:latin typeface="+mj-lt"/>
+              </a:rPr>
+              <a:t> </a:t>
+            </a:r>
+            <a:r>
+              <a:rPr lang="en-US" b="0" i="0" dirty="0" err="1">
+                <a:effectLst/>
+                <a:latin typeface="+mj-lt"/>
+              </a:rPr>
+              <a:t>klade</a:t>
+            </a:r>
+            <a:r>
+              <a:rPr lang="en-US" b="0" i="0" dirty="0">
+                <a:effectLst/>
+                <a:latin typeface="+mj-lt"/>
+              </a:rPr>
+              <a:t> </a:t>
+            </a:r>
+            <a:r>
+              <a:rPr lang="en-US" b="0" i="0" dirty="0" err="1">
+                <a:effectLst/>
+                <a:latin typeface="+mj-lt"/>
+              </a:rPr>
+              <a:t>značné</a:t>
+            </a:r>
+            <a:r>
+              <a:rPr lang="en-US" b="0" i="0" dirty="0">
+                <a:effectLst/>
+                <a:latin typeface="+mj-lt"/>
+              </a:rPr>
+              <a:t> </a:t>
+            </a:r>
+            <a:r>
+              <a:rPr lang="en-US" b="0" i="0" dirty="0" err="1">
+                <a:effectLst/>
+                <a:latin typeface="+mj-lt"/>
+              </a:rPr>
+              <a:t>výzvy</a:t>
+            </a:r>
+            <a:r>
+              <a:rPr lang="en-US" b="0" i="0" dirty="0">
+                <a:effectLst/>
+                <a:latin typeface="+mj-lt"/>
+              </a:rPr>
+              <a:t> </a:t>
+            </a:r>
+            <a:r>
+              <a:rPr lang="en-US" b="0" i="0" dirty="0" err="1">
+                <a:effectLst/>
+                <a:latin typeface="+mj-lt"/>
+              </a:rPr>
+              <a:t>při</a:t>
+            </a:r>
+            <a:r>
+              <a:rPr lang="en-US" b="0" i="0" dirty="0">
+                <a:effectLst/>
+                <a:latin typeface="+mj-lt"/>
+              </a:rPr>
+              <a:t> </a:t>
+            </a:r>
+            <a:r>
+              <a:rPr lang="en-US" b="0" i="0" dirty="0" err="1">
+                <a:effectLst/>
+                <a:latin typeface="+mj-lt"/>
+              </a:rPr>
+              <a:t>plánování</a:t>
+            </a:r>
+            <a:r>
+              <a:rPr lang="en-US" b="0" i="0" dirty="0">
+                <a:effectLst/>
+                <a:latin typeface="+mj-lt"/>
+              </a:rPr>
+              <a:t> a </a:t>
+            </a:r>
+            <a:r>
+              <a:rPr lang="en-US" b="0" i="0" dirty="0" err="1">
+                <a:effectLst/>
+                <a:latin typeface="+mj-lt"/>
+              </a:rPr>
+              <a:t>přípravě</a:t>
+            </a:r>
+            <a:r>
+              <a:rPr lang="en-US" b="0" i="0" dirty="0">
+                <a:effectLst/>
+                <a:latin typeface="+mj-lt"/>
+              </a:rPr>
+              <a:t>. </a:t>
+            </a:r>
+            <a:endParaRPr lang="cs-CZ" b="0" i="0" dirty="0">
+              <a:effectLst/>
+              <a:latin typeface="+mj-lt"/>
+            </a:endParaRPr>
+          </a:p>
+          <a:p>
+            <a:endParaRPr lang="cs-CZ" b="0" dirty="0">
+              <a:latin typeface="+mj-lt"/>
+            </a:endParaRPr>
+          </a:p>
+          <a:p>
+            <a:r>
+              <a:rPr lang="en-US" b="0" i="0" dirty="0" err="1">
+                <a:effectLst/>
+                <a:latin typeface="+mj-lt"/>
+              </a:rPr>
+              <a:t>Naše</a:t>
+            </a:r>
+            <a:r>
+              <a:rPr lang="en-US" b="0" i="0" dirty="0">
+                <a:effectLst/>
+                <a:latin typeface="+mj-lt"/>
+              </a:rPr>
+              <a:t> </a:t>
+            </a:r>
+            <a:r>
+              <a:rPr lang="en-US" b="0" i="0" dirty="0" err="1">
+                <a:effectLst/>
+                <a:latin typeface="+mj-lt"/>
+              </a:rPr>
+              <a:t>strategie</a:t>
+            </a:r>
+            <a:r>
+              <a:rPr lang="en-US" b="0" i="0" dirty="0">
+                <a:effectLst/>
+                <a:latin typeface="+mj-lt"/>
+              </a:rPr>
+              <a:t> </a:t>
+            </a:r>
+            <a:r>
+              <a:rPr lang="en-US" b="0" i="0" dirty="0" err="1">
+                <a:effectLst/>
+                <a:latin typeface="+mj-lt"/>
+              </a:rPr>
+              <a:t>musí</a:t>
+            </a:r>
+            <a:r>
+              <a:rPr lang="en-US" b="0" i="0" dirty="0">
+                <a:effectLst/>
+                <a:latin typeface="+mj-lt"/>
+              </a:rPr>
+              <a:t> </a:t>
+            </a:r>
+            <a:r>
+              <a:rPr lang="en-US" b="0" i="0" dirty="0" err="1">
+                <a:effectLst/>
+                <a:latin typeface="+mj-lt"/>
+              </a:rPr>
+              <a:t>být</a:t>
+            </a:r>
+            <a:r>
+              <a:rPr lang="en-US" b="0" i="0" dirty="0">
+                <a:effectLst/>
+                <a:latin typeface="+mj-lt"/>
+              </a:rPr>
+              <a:t> </a:t>
+            </a:r>
+            <a:r>
+              <a:rPr lang="en-US" b="0" i="0" dirty="0" err="1">
+                <a:effectLst/>
+                <a:latin typeface="+mj-lt"/>
+              </a:rPr>
+              <a:t>dostatečně</a:t>
+            </a:r>
+            <a:r>
+              <a:rPr lang="en-US" b="0" i="0" dirty="0">
+                <a:effectLst/>
+                <a:latin typeface="+mj-lt"/>
+              </a:rPr>
+              <a:t> </a:t>
+            </a:r>
+            <a:r>
+              <a:rPr lang="en-US" b="0" i="0" dirty="0" err="1">
+                <a:effectLst/>
+                <a:latin typeface="+mj-lt"/>
+              </a:rPr>
+              <a:t>flexibilní</a:t>
+            </a:r>
+            <a:r>
+              <a:rPr lang="en-US" b="0" i="0" dirty="0">
+                <a:effectLst/>
+                <a:latin typeface="+mj-lt"/>
+              </a:rPr>
+              <a:t>, aby se </a:t>
+            </a:r>
+            <a:r>
+              <a:rPr lang="en-US" b="0" i="0" dirty="0" err="1">
+                <a:effectLst/>
+                <a:latin typeface="+mj-lt"/>
+              </a:rPr>
+              <a:t>přizpůsobily</a:t>
+            </a:r>
+            <a:r>
+              <a:rPr lang="en-US" b="0" i="0" dirty="0">
+                <a:effectLst/>
+                <a:latin typeface="+mj-lt"/>
+              </a:rPr>
+              <a:t> </a:t>
+            </a:r>
+            <a:r>
+              <a:rPr lang="en-US" b="0" i="0" dirty="0" err="1">
+                <a:effectLst/>
+                <a:latin typeface="+mj-lt"/>
+              </a:rPr>
+              <a:t>jakýmkoliv</a:t>
+            </a:r>
+            <a:r>
+              <a:rPr lang="en-US" b="0" i="0" dirty="0">
+                <a:effectLst/>
+                <a:latin typeface="+mj-lt"/>
+              </a:rPr>
+              <a:t> </a:t>
+            </a:r>
+            <a:r>
+              <a:rPr lang="en-US" b="0" i="0" dirty="0" err="1">
+                <a:effectLst/>
+                <a:latin typeface="+mj-lt"/>
+              </a:rPr>
+              <a:t>dalším</a:t>
+            </a:r>
+            <a:r>
+              <a:rPr lang="en-US" b="0" i="0" dirty="0">
+                <a:effectLst/>
+                <a:latin typeface="+mj-lt"/>
+              </a:rPr>
+              <a:t> </a:t>
+            </a:r>
+            <a:r>
+              <a:rPr lang="en-US" b="0" i="0" dirty="0" err="1">
+                <a:effectLst/>
+                <a:latin typeface="+mj-lt"/>
+              </a:rPr>
+              <a:t>změnám</a:t>
+            </a:r>
+            <a:r>
+              <a:rPr lang="en-US" b="0" i="0" dirty="0">
+                <a:effectLst/>
+                <a:latin typeface="+mj-lt"/>
+              </a:rPr>
+              <a:t> v </a:t>
+            </a:r>
+            <a:r>
+              <a:rPr lang="en-US" b="0" i="0" dirty="0" err="1">
+                <a:effectLst/>
+                <a:latin typeface="+mj-lt"/>
+              </a:rPr>
+              <a:t>zákoně</a:t>
+            </a:r>
+            <a:r>
+              <a:rPr lang="en-US" b="0" i="0" dirty="0">
+                <a:effectLst/>
+                <a:latin typeface="+mj-lt"/>
+              </a:rPr>
+              <a:t>. </a:t>
+            </a:r>
+            <a:endParaRPr lang="en-US" dirty="0">
+              <a:latin typeface="+mj-lt"/>
+            </a:endParaRPr>
           </a:p>
         </p:txBody>
       </p:sp>
@@ -2685,42 +4656,8 @@
         </p:nvSpPr>
         <p:spPr>
           <a:xfrm>
-            <a:off x="2246326" y="197884"/>
+            <a:off x="1371795" y="2705668"/>
             <a:ext cx="7736694" cy="1446663"/>
-          </a:xfrm>
-        </p:spPr>
-        <p:txBody>
-          <a:bodyPr/>
-          <a:lstStyle/>
-          <a:p>
-            <a:r>
-              <a:rPr lang="en-US" dirty="0" err="1"/>
-              <a:t>Zhodnocení</a:t>
-            </a:r>
-            <a:endParaRPr lang="en-US" dirty="0"/>
-          </a:p>
-        </p:txBody>
-      </p:sp>
-      <p:sp>
-        <p:nvSpPr>
-          <p:cNvPr id="3" name="Subtitle 2">
-            <a:extLst>
-              <a:ext uri="{FF2B5EF4-FFF2-40B4-BE49-F238E27FC236}">
-                <a16:creationId xmlns:a16="http://schemas.microsoft.com/office/drawing/2014/main" id="{2228A7AF-0E14-2946-2CF0-1DB74E60AE05}"/>
-              </a:ext>
-            </a:extLst>
-          </p:cNvPr>
-          <p:cNvSpPr>
-            <a:spLocks noGrp="1"/>
-          </p:cNvSpPr>
-          <p:nvPr>
-            <p:ph type="subTitle" idx="1"/>
-          </p:nvPr>
-        </p:nvSpPr>
-        <p:spPr>
-          <a:xfrm>
-            <a:off x="139959" y="1567544"/>
-            <a:ext cx="9843061" cy="3645910"/>
           </a:xfrm>
         </p:spPr>
         <p:txBody>
@@ -2730,48 +4667,17 @@
           <a:lstStyle/>
           <a:p>
             <a:r>
-              <a:rPr lang="cs-CZ" sz="2000" dirty="0">
-                <a:effectLst/>
-                <a:latin typeface="Arial" panose="020B0604020202020204" pitchFamily="34" charset="0"/>
-                <a:ea typeface="Arial" panose="020B0604020202020204" pitchFamily="34" charset="0"/>
-              </a:rPr>
-              <a:t>Pacienti hospitalizovaní ve zdravotnickém zařízení dnes očekávají možnost přístupu k Internetu (práce, kontakt s rodinou ).. Běžně používají zařízení různého typu (telefon, NTB…). </a:t>
-            </a:r>
-          </a:p>
-          <a:p>
-            <a:r>
-              <a:rPr lang="cs-CZ" sz="2000" dirty="0">
-                <a:effectLst/>
-                <a:latin typeface="Arial" panose="020B0604020202020204" pitchFamily="34" charset="0"/>
-                <a:ea typeface="Arial" panose="020B0604020202020204" pitchFamily="34" charset="0"/>
-              </a:rPr>
-              <a:t>Při nedodržení jasné bezpečnostní politiky hrozí nebezpečí, že se pacient dostane do vnitřního IS dané nemocnice. </a:t>
-            </a:r>
-          </a:p>
-          <a:p>
-            <a:r>
-              <a:rPr lang="cs-CZ" sz="2000" dirty="0">
-                <a:effectLst/>
-                <a:latin typeface="Arial" panose="020B0604020202020204" pitchFamily="34" charset="0"/>
-                <a:ea typeface="Arial" panose="020B0604020202020204" pitchFamily="34" charset="0"/>
-              </a:rPr>
-              <a:t>Student zanalyzuje teoreticky stav v menší nemocnici a navrhne jasná pravidla pro zabezpečení. Např. oddělení  jednotlivých IS, nemožnost odposlechnout data, fyzická bezpečnost (pacient není sám ponechán v ordinaci s otevřeným počítačem personálu atd.). Student tato nebezpečí shrne a navrhne základní ochranu proti nim.</a:t>
-            </a:r>
-            <a:endParaRPr lang="en-US" sz="2000" dirty="0">
-              <a:effectLst/>
-              <a:latin typeface="Arial" panose="020B0604020202020204" pitchFamily="34" charset="0"/>
-              <a:ea typeface="Arial" panose="020B0604020202020204" pitchFamily="34" charset="0"/>
-            </a:endParaRPr>
-          </a:p>
-          <a:p>
-            <a:endParaRPr lang="en-US" sz="2800" dirty="0"/>
+              <a:rPr lang="cs-CZ" sz="6000" dirty="0"/>
+              <a:t>Děkuji za pozornost</a:t>
+            </a:r>
+            <a:endParaRPr lang="en-US" sz="6000" dirty="0"/>
           </a:p>
         </p:txBody>
       </p:sp>
     </p:spTree>
     <p:extLst>
       <p:ext uri="{BB962C8B-B14F-4D97-AF65-F5344CB8AC3E}">
-        <p14:creationId xmlns:p14="http://schemas.microsoft.com/office/powerpoint/2010/main" val="880234499"/>
+        <p14:creationId xmlns:p14="http://schemas.microsoft.com/office/powerpoint/2010/main" val="645034082"/>
       </p:ext>
     </p:extLst>
   </p:cSld>
